--- a/Portfolio Strategy Project.pptx
+++ b/Portfolio Strategy Project.pptx
@@ -5,10 +5,10 @@
     <p:sldMasterId id="2147483648" r:id="rId1"/>
   </p:sldMasterIdLst>
   <p:notesMasterIdLst>
-    <p:notesMasterId r:id="rId10"/>
+    <p:notesMasterId r:id="rId8"/>
   </p:notesMasterIdLst>
   <p:handoutMasterIdLst>
-    <p:handoutMasterId r:id="rId11"/>
+    <p:handoutMasterId r:id="rId9"/>
   </p:handoutMasterIdLst>
   <p:sldIdLst>
     <p:sldId id="256" r:id="rId2"/>
@@ -17,15 +17,13 @@
     <p:sldId id="282" r:id="rId5"/>
     <p:sldId id="272" r:id="rId6"/>
     <p:sldId id="288" r:id="rId7"/>
-    <p:sldId id="290" r:id="rId8"/>
-    <p:sldId id="289" r:id="rId9"/>
   </p:sldIdLst>
   <p:sldSz cx="9144000" cy="6858000" type="screen4x3"/>
   <p:notesSz cx="7010400" cy="9296400"/>
   <p:embeddedFontLst>
     <p:embeddedFont>
       <p:font typeface="Arial Black" panose="020B0604020202020204" pitchFamily="34" charset="0"/>
-      <p:bold r:id="rId12"/>
+      <p:bold r:id="rId10"/>
     </p:embeddedFont>
   </p:embeddedFontLst>
   <p:defaultTextStyle>
@@ -184,1970 +182,6 @@
     </p:ext>
   </p:extLst>
 </p:presentation>
-</file>
-
-<file path=ppt/charts/chart1.xml><?xml version="1.0" encoding="utf-8"?>
-<c:chartSpace xmlns:c="http://schemas.openxmlformats.org/drawingml/2006/chart" xmlns:a="http://schemas.openxmlformats.org/drawingml/2006/main" xmlns:r="http://schemas.openxmlformats.org/officeDocument/2006/relationships" xmlns:c16r2="http://schemas.microsoft.com/office/drawing/2015/06/chart">
-  <c:date1904 val="0"/>
-  <c:lang val="en-US"/>
-  <c:roundedCorners val="0"/>
-  <mc:AlternateContent xmlns:mc="http://schemas.openxmlformats.org/markup-compatibility/2006">
-    <mc:Choice xmlns:c14="http://schemas.microsoft.com/office/drawing/2007/8/2/chart" Requires="c14">
-      <c14:style val="102"/>
-    </mc:Choice>
-    <mc:Fallback>
-      <c:style val="2"/>
-    </mc:Fallback>
-  </mc:AlternateContent>
-  <c:pivotSource>
-    <c:name>[Wright Fund Portfolio Project Data v2.xlsx]Sheet10!PivotTable3</c:name>
-    <c:fmtId val="-1"/>
-  </c:pivotSource>
-  <c:chart>
-    <c:title>
-      <c:tx>
-        <c:rich>
-          <a:bodyPr/>
-          <a:lstStyle/>
-          <a:p>
-            <a:pPr>
-              <a:defRPr>
-                <a:solidFill>
-                  <a:schemeClr val="bg1"/>
-                </a:solidFill>
-              </a:defRPr>
-            </a:pPr>
-            <a:r>
-              <a:rPr lang="en-US" dirty="0">
-                <a:solidFill>
-                  <a:schemeClr val="bg1"/>
-                </a:solidFill>
-              </a:rPr>
-              <a:t>Average</a:t>
-            </a:r>
-            <a:r>
-              <a:rPr lang="en-US" baseline="0" dirty="0">
-                <a:solidFill>
-                  <a:schemeClr val="bg1"/>
-                </a:solidFill>
-              </a:rPr>
-              <a:t> Total Return from 1990-2013:</a:t>
-            </a:r>
-            <a:r>
-              <a:rPr lang="en-US" baseline="0" dirty="0">
-                <a:solidFill>
-                  <a:srgbClr val="FFFF00"/>
-                </a:solidFill>
-              </a:rPr>
-              <a:t> May - Oct </a:t>
-            </a:r>
-            <a:endParaRPr lang="en-US" dirty="0">
-              <a:solidFill>
-                <a:srgbClr val="FFFF00"/>
-              </a:solidFill>
-            </a:endParaRPr>
-          </a:p>
-        </c:rich>
-      </c:tx>
-      <c:overlay val="0"/>
-    </c:title>
-    <c:autoTitleDeleted val="0"/>
-    <c:pivotFmts>
-      <c:pivotFmt>
-        <c:idx val="0"/>
-        <c:marker>
-          <c:symbol val="none"/>
-        </c:marker>
-      </c:pivotFmt>
-      <c:pivotFmt>
-        <c:idx val="1"/>
-        <c:marker>
-          <c:symbol val="none"/>
-        </c:marker>
-      </c:pivotFmt>
-      <c:pivotFmt>
-        <c:idx val="2"/>
-        <c:marker>
-          <c:symbol val="none"/>
-        </c:marker>
-      </c:pivotFmt>
-      <c:pivotFmt>
-        <c:idx val="3"/>
-        <c:marker>
-          <c:symbol val="none"/>
-        </c:marker>
-      </c:pivotFmt>
-      <c:pivotFmt>
-        <c:idx val="4"/>
-        <c:marker>
-          <c:symbol val="none"/>
-        </c:marker>
-      </c:pivotFmt>
-      <c:pivotFmt>
-        <c:idx val="5"/>
-        <c:marker>
-          <c:symbol val="none"/>
-        </c:marker>
-      </c:pivotFmt>
-      <c:pivotFmt>
-        <c:idx val="6"/>
-        <c:marker>
-          <c:symbol val="none"/>
-        </c:marker>
-      </c:pivotFmt>
-      <c:pivotFmt>
-        <c:idx val="7"/>
-        <c:marker>
-          <c:symbol val="none"/>
-        </c:marker>
-      </c:pivotFmt>
-      <c:pivotFmt>
-        <c:idx val="8"/>
-        <c:marker>
-          <c:symbol val="none"/>
-        </c:marker>
-      </c:pivotFmt>
-      <c:pivotFmt>
-        <c:idx val="9"/>
-        <c:marker>
-          <c:symbol val="none"/>
-        </c:marker>
-      </c:pivotFmt>
-      <c:pivotFmt>
-        <c:idx val="10"/>
-        <c:marker>
-          <c:symbol val="none"/>
-        </c:marker>
-      </c:pivotFmt>
-      <c:pivotFmt>
-        <c:idx val="11"/>
-        <c:marker>
-          <c:symbol val="none"/>
-        </c:marker>
-      </c:pivotFmt>
-      <c:pivotFmt>
-        <c:idx val="12"/>
-        <c:marker>
-          <c:symbol val="none"/>
-        </c:marker>
-      </c:pivotFmt>
-      <c:pivotFmt>
-        <c:idx val="13"/>
-        <c:marker>
-          <c:symbol val="none"/>
-        </c:marker>
-      </c:pivotFmt>
-      <c:pivotFmt>
-        <c:idx val="14"/>
-        <c:marker>
-          <c:symbol val="none"/>
-        </c:marker>
-      </c:pivotFmt>
-      <c:pivotFmt>
-        <c:idx val="15"/>
-        <c:marker>
-          <c:symbol val="none"/>
-        </c:marker>
-      </c:pivotFmt>
-      <c:pivotFmt>
-        <c:idx val="16"/>
-        <c:marker>
-          <c:symbol val="none"/>
-        </c:marker>
-      </c:pivotFmt>
-      <c:pivotFmt>
-        <c:idx val="17"/>
-        <c:marker>
-          <c:symbol val="none"/>
-        </c:marker>
-      </c:pivotFmt>
-      <c:pivotFmt>
-        <c:idx val="18"/>
-        <c:marker>
-          <c:symbol val="none"/>
-        </c:marker>
-      </c:pivotFmt>
-      <c:pivotFmt>
-        <c:idx val="19"/>
-        <c:marker>
-          <c:symbol val="none"/>
-        </c:marker>
-      </c:pivotFmt>
-      <c:pivotFmt>
-        <c:idx val="20"/>
-        <c:marker>
-          <c:symbol val="none"/>
-        </c:marker>
-      </c:pivotFmt>
-      <c:pivotFmt>
-        <c:idx val="21"/>
-        <c:marker>
-          <c:symbol val="none"/>
-        </c:marker>
-      </c:pivotFmt>
-      <c:pivotFmt>
-        <c:idx val="22"/>
-        <c:marker>
-          <c:symbol val="none"/>
-        </c:marker>
-      </c:pivotFmt>
-      <c:pivotFmt>
-        <c:idx val="23"/>
-        <c:marker>
-          <c:symbol val="none"/>
-        </c:marker>
-      </c:pivotFmt>
-      <c:pivotFmt>
-        <c:idx val="24"/>
-        <c:marker>
-          <c:symbol val="none"/>
-        </c:marker>
-      </c:pivotFmt>
-      <c:pivotFmt>
-        <c:idx val="25"/>
-        <c:marker>
-          <c:symbol val="none"/>
-        </c:marker>
-      </c:pivotFmt>
-      <c:pivotFmt>
-        <c:idx val="26"/>
-        <c:marker>
-          <c:symbol val="none"/>
-        </c:marker>
-      </c:pivotFmt>
-      <c:pivotFmt>
-        <c:idx val="27"/>
-        <c:marker>
-          <c:symbol val="none"/>
-        </c:marker>
-      </c:pivotFmt>
-      <c:pivotFmt>
-        <c:idx val="28"/>
-        <c:marker>
-          <c:symbol val="none"/>
-        </c:marker>
-      </c:pivotFmt>
-      <c:pivotFmt>
-        <c:idx val="29"/>
-        <c:marker>
-          <c:symbol val="none"/>
-        </c:marker>
-      </c:pivotFmt>
-      <c:pivotFmt>
-        <c:idx val="30"/>
-        <c:marker>
-          <c:symbol val="none"/>
-        </c:marker>
-      </c:pivotFmt>
-      <c:pivotFmt>
-        <c:idx val="31"/>
-        <c:marker>
-          <c:symbol val="none"/>
-        </c:marker>
-      </c:pivotFmt>
-      <c:pivotFmt>
-        <c:idx val="32"/>
-        <c:marker>
-          <c:symbol val="none"/>
-        </c:marker>
-      </c:pivotFmt>
-      <c:pivotFmt>
-        <c:idx val="33"/>
-        <c:marker>
-          <c:symbol val="none"/>
-        </c:marker>
-      </c:pivotFmt>
-      <c:pivotFmt>
-        <c:idx val="34"/>
-        <c:spPr>
-          <a:solidFill>
-            <a:srgbClr val="FFFF00"/>
-          </a:solidFill>
-        </c:spPr>
-        <c:marker>
-          <c:symbol val="none"/>
-        </c:marker>
-      </c:pivotFmt>
-      <c:pivotFmt>
-        <c:idx val="35"/>
-        <c:spPr>
-          <a:solidFill>
-            <a:srgbClr val="0000FF"/>
-          </a:solidFill>
-        </c:spPr>
-        <c:marker>
-          <c:symbol val="none"/>
-        </c:marker>
-      </c:pivotFmt>
-      <c:pivotFmt>
-        <c:idx val="36"/>
-        <c:spPr>
-          <a:solidFill>
-            <a:srgbClr val="FF0000"/>
-          </a:solidFill>
-        </c:spPr>
-        <c:marker>
-          <c:symbol val="none"/>
-        </c:marker>
-      </c:pivotFmt>
-      <c:pivotFmt>
-        <c:idx val="37"/>
-        <c:marker>
-          <c:symbol val="none"/>
-        </c:marker>
-      </c:pivotFmt>
-      <c:pivotFmt>
-        <c:idx val="38"/>
-        <c:marker>
-          <c:symbol val="none"/>
-        </c:marker>
-      </c:pivotFmt>
-      <c:pivotFmt>
-        <c:idx val="39"/>
-        <c:marker>
-          <c:symbol val="none"/>
-        </c:marker>
-      </c:pivotFmt>
-      <c:pivotFmt>
-        <c:idx val="40"/>
-        <c:marker>
-          <c:symbol val="none"/>
-        </c:marker>
-        <c:dLbl>
-          <c:idx val="0"/>
-          <c:numFmt formatCode="#,##0.00" sourceLinked="0"/>
-          <c:spPr/>
-          <c:txPr>
-            <a:bodyPr/>
-            <a:lstStyle/>
-            <a:p>
-              <a:pPr>
-                <a:defRPr/>
-              </a:pPr>
-              <a:endParaRPr lang="en-US"/>
-            </a:p>
-          </c:txPr>
-          <c:showLegendKey val="0"/>
-          <c:showVal val="1"/>
-          <c:showCatName val="0"/>
-          <c:showSerName val="0"/>
-          <c:showPercent val="0"/>
-          <c:showBubbleSize val="0"/>
-          <c:extLst>
-            <c:ext xmlns:c15="http://schemas.microsoft.com/office/drawing/2012/chart" uri="{CE6537A1-D6FC-4f65-9D91-7224C49458BB}"/>
-          </c:extLst>
-        </c:dLbl>
-      </c:pivotFmt>
-      <c:pivotFmt>
-        <c:idx val="41"/>
-        <c:spPr>
-          <a:solidFill>
-            <a:srgbClr val="00B050"/>
-          </a:solidFill>
-        </c:spPr>
-        <c:dLbl>
-          <c:idx val="0"/>
-          <c:numFmt formatCode="#,##0.00" sourceLinked="0"/>
-          <c:spPr/>
-          <c:txPr>
-            <a:bodyPr/>
-            <a:lstStyle/>
-            <a:p>
-              <a:pPr>
-                <a:defRPr b="1"/>
-              </a:pPr>
-              <a:endParaRPr lang="en-US"/>
-            </a:p>
-          </c:txPr>
-          <c:showLegendKey val="1"/>
-          <c:showVal val="1"/>
-          <c:showCatName val="1"/>
-          <c:showSerName val="1"/>
-          <c:showPercent val="1"/>
-          <c:showBubbleSize val="1"/>
-          <c:extLst>
-            <c:ext xmlns:c15="http://schemas.microsoft.com/office/drawing/2012/chart" uri="{CE6537A1-D6FC-4f65-9D91-7224C49458BB}"/>
-          </c:extLst>
-        </c:dLbl>
-      </c:pivotFmt>
-      <c:pivotFmt>
-        <c:idx val="42"/>
-        <c:spPr>
-          <a:solidFill>
-            <a:srgbClr val="00B050"/>
-          </a:solidFill>
-        </c:spPr>
-        <c:dLbl>
-          <c:idx val="0"/>
-          <c:numFmt formatCode="#,##0.00" sourceLinked="0"/>
-          <c:spPr/>
-          <c:txPr>
-            <a:bodyPr/>
-            <a:lstStyle/>
-            <a:p>
-              <a:pPr>
-                <a:defRPr b="1"/>
-              </a:pPr>
-              <a:endParaRPr lang="en-US"/>
-            </a:p>
-          </c:txPr>
-          <c:showLegendKey val="1"/>
-          <c:showVal val="1"/>
-          <c:showCatName val="1"/>
-          <c:showSerName val="1"/>
-          <c:showPercent val="1"/>
-          <c:showBubbleSize val="1"/>
-          <c:extLst>
-            <c:ext xmlns:c15="http://schemas.microsoft.com/office/drawing/2012/chart" uri="{CE6537A1-D6FC-4f65-9D91-7224C49458BB}"/>
-          </c:extLst>
-        </c:dLbl>
-      </c:pivotFmt>
-      <c:pivotFmt>
-        <c:idx val="43"/>
-        <c:dLbl>
-          <c:idx val="0"/>
-          <c:layout>
-            <c:manualLayout>
-              <c:x val="-2.1540120297333259E-3"/>
-              <c:y val="0.16267971786151234"/>
-            </c:manualLayout>
-          </c:layout>
-          <c:showLegendKey val="0"/>
-          <c:showVal val="1"/>
-          <c:showCatName val="0"/>
-          <c:showSerName val="0"/>
-          <c:showPercent val="0"/>
-          <c:showBubbleSize val="0"/>
-          <c:extLst>
-            <c:ext xmlns:c15="http://schemas.microsoft.com/office/drawing/2012/chart" uri="{CE6537A1-D6FC-4f65-9D91-7224C49458BB}"/>
-          </c:extLst>
-        </c:dLbl>
-      </c:pivotFmt>
-      <c:pivotFmt>
-        <c:idx val="44"/>
-        <c:marker>
-          <c:symbol val="none"/>
-        </c:marker>
-        <c:dLbl>
-          <c:idx val="0"/>
-          <c:numFmt formatCode="#,##0.00" sourceLinked="0"/>
-          <c:spPr/>
-          <c:txPr>
-            <a:bodyPr/>
-            <a:lstStyle/>
-            <a:p>
-              <a:pPr>
-                <a:defRPr/>
-              </a:pPr>
-              <a:endParaRPr lang="en-US"/>
-            </a:p>
-          </c:txPr>
-          <c:showLegendKey val="0"/>
-          <c:showVal val="1"/>
-          <c:showCatName val="0"/>
-          <c:showSerName val="0"/>
-          <c:showPercent val="0"/>
-          <c:showBubbleSize val="0"/>
-          <c:extLst>
-            <c:ext xmlns:c15="http://schemas.microsoft.com/office/drawing/2012/chart" uri="{CE6537A1-D6FC-4f65-9D91-7224C49458BB}"/>
-          </c:extLst>
-        </c:dLbl>
-      </c:pivotFmt>
-      <c:pivotFmt>
-        <c:idx val="45"/>
-        <c:spPr>
-          <a:solidFill>
-            <a:srgbClr val="00B050"/>
-          </a:solidFill>
-        </c:spPr>
-        <c:dLbl>
-          <c:idx val="0"/>
-          <c:numFmt formatCode="#,##0.00" sourceLinked="0"/>
-          <c:spPr/>
-          <c:txPr>
-            <a:bodyPr/>
-            <a:lstStyle/>
-            <a:p>
-              <a:pPr>
-                <a:defRPr b="1"/>
-              </a:pPr>
-              <a:endParaRPr lang="en-US"/>
-            </a:p>
-          </c:txPr>
-          <c:showLegendKey val="0"/>
-          <c:showVal val="1"/>
-          <c:showCatName val="0"/>
-          <c:showSerName val="0"/>
-          <c:showPercent val="0"/>
-          <c:showBubbleSize val="0"/>
-          <c:extLst>
-            <c:ext xmlns:c15="http://schemas.microsoft.com/office/drawing/2012/chart" uri="{CE6537A1-D6FC-4f65-9D91-7224C49458BB}"/>
-          </c:extLst>
-        </c:dLbl>
-      </c:pivotFmt>
-      <c:pivotFmt>
-        <c:idx val="46"/>
-        <c:spPr>
-          <a:solidFill>
-            <a:srgbClr val="00B050"/>
-          </a:solidFill>
-        </c:spPr>
-        <c:dLbl>
-          <c:idx val="0"/>
-          <c:numFmt formatCode="#,##0.00" sourceLinked="0"/>
-          <c:spPr/>
-          <c:txPr>
-            <a:bodyPr/>
-            <a:lstStyle/>
-            <a:p>
-              <a:pPr>
-                <a:defRPr b="1"/>
-              </a:pPr>
-              <a:endParaRPr lang="en-US"/>
-            </a:p>
-          </c:txPr>
-          <c:showLegendKey val="0"/>
-          <c:showVal val="1"/>
-          <c:showCatName val="0"/>
-          <c:showSerName val="0"/>
-          <c:showPercent val="0"/>
-          <c:showBubbleSize val="0"/>
-          <c:extLst>
-            <c:ext xmlns:c15="http://schemas.microsoft.com/office/drawing/2012/chart" uri="{CE6537A1-D6FC-4f65-9D91-7224C49458BB}"/>
-          </c:extLst>
-        </c:dLbl>
-      </c:pivotFmt>
-      <c:pivotFmt>
-        <c:idx val="47"/>
-        <c:dLbl>
-          <c:idx val="0"/>
-          <c:layout>
-            <c:manualLayout>
-              <c:x val="-2.1540120297333259E-3"/>
-              <c:y val="0.16267971786151234"/>
-            </c:manualLayout>
-          </c:layout>
-          <c:showLegendKey val="0"/>
-          <c:showVal val="1"/>
-          <c:showCatName val="0"/>
-          <c:showSerName val="0"/>
-          <c:showPercent val="0"/>
-          <c:showBubbleSize val="0"/>
-          <c:extLst>
-            <c:ext xmlns:c15="http://schemas.microsoft.com/office/drawing/2012/chart" uri="{CE6537A1-D6FC-4f65-9D91-7224C49458BB}"/>
-          </c:extLst>
-        </c:dLbl>
-      </c:pivotFmt>
-      <c:pivotFmt>
-        <c:idx val="48"/>
-        <c:marker>
-          <c:symbol val="none"/>
-        </c:marker>
-        <c:dLbl>
-          <c:idx val="0"/>
-          <c:numFmt formatCode="#,##0.00" sourceLinked="0"/>
-          <c:spPr/>
-          <c:txPr>
-            <a:bodyPr/>
-            <a:lstStyle/>
-            <a:p>
-              <a:pPr>
-                <a:defRPr/>
-              </a:pPr>
-              <a:endParaRPr lang="en-US"/>
-            </a:p>
-          </c:txPr>
-          <c:showLegendKey val="0"/>
-          <c:showVal val="1"/>
-          <c:showCatName val="0"/>
-          <c:showSerName val="0"/>
-          <c:showPercent val="0"/>
-          <c:showBubbleSize val="0"/>
-          <c:extLst>
-            <c:ext xmlns:c15="http://schemas.microsoft.com/office/drawing/2012/chart" uri="{CE6537A1-D6FC-4f65-9D91-7224C49458BB}"/>
-          </c:extLst>
-        </c:dLbl>
-      </c:pivotFmt>
-      <c:pivotFmt>
-        <c:idx val="49"/>
-        <c:spPr>
-          <a:solidFill>
-            <a:srgbClr val="00B050"/>
-          </a:solidFill>
-        </c:spPr>
-        <c:dLbl>
-          <c:idx val="0"/>
-          <c:numFmt formatCode="#,##0.00" sourceLinked="0"/>
-          <c:spPr/>
-          <c:txPr>
-            <a:bodyPr/>
-            <a:lstStyle/>
-            <a:p>
-              <a:pPr>
-                <a:defRPr b="1"/>
-              </a:pPr>
-              <a:endParaRPr lang="en-US"/>
-            </a:p>
-          </c:txPr>
-          <c:showLegendKey val="0"/>
-          <c:showVal val="1"/>
-          <c:showCatName val="0"/>
-          <c:showSerName val="0"/>
-          <c:showPercent val="0"/>
-          <c:showBubbleSize val="0"/>
-          <c:extLst>
-            <c:ext xmlns:c15="http://schemas.microsoft.com/office/drawing/2012/chart" uri="{CE6537A1-D6FC-4f65-9D91-7224C49458BB}"/>
-          </c:extLst>
-        </c:dLbl>
-      </c:pivotFmt>
-      <c:pivotFmt>
-        <c:idx val="50"/>
-        <c:spPr>
-          <a:solidFill>
-            <a:srgbClr val="00B050"/>
-          </a:solidFill>
-        </c:spPr>
-        <c:dLbl>
-          <c:idx val="0"/>
-          <c:numFmt formatCode="#,##0.00" sourceLinked="0"/>
-          <c:spPr/>
-          <c:txPr>
-            <a:bodyPr/>
-            <a:lstStyle/>
-            <a:p>
-              <a:pPr>
-                <a:defRPr b="1"/>
-              </a:pPr>
-              <a:endParaRPr lang="en-US"/>
-            </a:p>
-          </c:txPr>
-          <c:showLegendKey val="0"/>
-          <c:showVal val="1"/>
-          <c:showCatName val="0"/>
-          <c:showSerName val="0"/>
-          <c:showPercent val="0"/>
-          <c:showBubbleSize val="0"/>
-          <c:extLst>
-            <c:ext xmlns:c15="http://schemas.microsoft.com/office/drawing/2012/chart" uri="{CE6537A1-D6FC-4f65-9D91-7224C49458BB}"/>
-          </c:extLst>
-        </c:dLbl>
-      </c:pivotFmt>
-      <c:pivotFmt>
-        <c:idx val="51"/>
-        <c:dLbl>
-          <c:idx val="0"/>
-          <c:layout>
-            <c:manualLayout>
-              <c:x val="-2.1540120297333259E-3"/>
-              <c:y val="0.16267971786151234"/>
-            </c:manualLayout>
-          </c:layout>
-          <c:showLegendKey val="0"/>
-          <c:showVal val="1"/>
-          <c:showCatName val="0"/>
-          <c:showSerName val="0"/>
-          <c:showPercent val="0"/>
-          <c:showBubbleSize val="0"/>
-          <c:extLst>
-            <c:ext xmlns:c15="http://schemas.microsoft.com/office/drawing/2012/chart" uri="{CE6537A1-D6FC-4f65-9D91-7224C49458BB}"/>
-          </c:extLst>
-        </c:dLbl>
-      </c:pivotFmt>
-    </c:pivotFmts>
-    <c:plotArea>
-      <c:layout/>
-      <c:barChart>
-        <c:barDir val="col"/>
-        <c:grouping val="clustered"/>
-        <c:varyColors val="0"/>
-        <c:ser>
-          <c:idx val="0"/>
-          <c:order val="0"/>
-          <c:tx>
-            <c:strRef>
-              <c:f>Sheet10!$B$4</c:f>
-              <c:strCache>
-                <c:ptCount val="1"/>
-                <c:pt idx="0">
-                  <c:v>Total</c:v>
-                </c:pt>
-              </c:strCache>
-            </c:strRef>
-          </c:tx>
-          <c:invertIfNegative val="0"/>
-          <c:dPt>
-            <c:idx val="0"/>
-            <c:invertIfNegative val="0"/>
-            <c:bubble3D val="0"/>
-            <c:spPr>
-              <a:solidFill>
-                <a:srgbClr val="FF0000"/>
-              </a:solidFill>
-            </c:spPr>
-            <c:extLst>
-              <c:ext xmlns:c16="http://schemas.microsoft.com/office/drawing/2014/chart" uri="{C3380CC4-5D6E-409C-BE32-E72D297353CC}">
-                <c16:uniqueId val="{00000001-004C-8E44-922E-5CA07A3915AF}"/>
-              </c:ext>
-            </c:extLst>
-          </c:dPt>
-          <c:dPt>
-            <c:idx val="1"/>
-            <c:invertIfNegative val="0"/>
-            <c:bubble3D val="0"/>
-            <c:spPr>
-              <a:solidFill>
-                <a:srgbClr val="00B050"/>
-              </a:solidFill>
-            </c:spPr>
-            <c:extLst>
-              <c:ext xmlns:c16="http://schemas.microsoft.com/office/drawing/2014/chart" uri="{C3380CC4-5D6E-409C-BE32-E72D297353CC}">
-                <c16:uniqueId val="{00000003-004C-8E44-922E-5CA07A3915AF}"/>
-              </c:ext>
-            </c:extLst>
-          </c:dPt>
-          <c:dPt>
-            <c:idx val="4"/>
-            <c:invertIfNegative val="0"/>
-            <c:bubble3D val="0"/>
-            <c:spPr>
-              <a:solidFill>
-                <a:srgbClr val="00B050"/>
-              </a:solidFill>
-            </c:spPr>
-            <c:extLst>
-              <c:ext xmlns:c16="http://schemas.microsoft.com/office/drawing/2014/chart" uri="{C3380CC4-5D6E-409C-BE32-E72D297353CC}">
-                <c16:uniqueId val="{00000005-004C-8E44-922E-5CA07A3915AF}"/>
-              </c:ext>
-            </c:extLst>
-          </c:dPt>
-          <c:dPt>
-            <c:idx val="7"/>
-            <c:invertIfNegative val="0"/>
-            <c:bubble3D val="0"/>
-            <c:spPr>
-              <a:solidFill>
-                <a:srgbClr val="FF0000"/>
-              </a:solidFill>
-            </c:spPr>
-            <c:extLst>
-              <c:ext xmlns:c16="http://schemas.microsoft.com/office/drawing/2014/chart" uri="{C3380CC4-5D6E-409C-BE32-E72D297353CC}">
-                <c16:uniqueId val="{00000007-004C-8E44-922E-5CA07A3915AF}"/>
-              </c:ext>
-            </c:extLst>
-          </c:dPt>
-          <c:dLbls>
-            <c:dLbl>
-              <c:idx val="7"/>
-              <c:layout>
-                <c:manualLayout>
-                  <c:x val="-2.1540120297333259E-3"/>
-                  <c:y val="0.16267971786151234"/>
-                </c:manualLayout>
-              </c:layout>
-              <c:showLegendKey val="0"/>
-              <c:showVal val="1"/>
-              <c:showCatName val="0"/>
-              <c:showSerName val="0"/>
-              <c:showPercent val="0"/>
-              <c:showBubbleSize val="0"/>
-              <c:extLst>
-                <c:ext xmlns:c15="http://schemas.microsoft.com/office/drawing/2012/chart" uri="{CE6537A1-D6FC-4f65-9D91-7224C49458BB}"/>
-                <c:ext xmlns:c16="http://schemas.microsoft.com/office/drawing/2014/chart" uri="{C3380CC4-5D6E-409C-BE32-E72D297353CC}">
-                  <c16:uniqueId val="{00000007-004C-8E44-922E-5CA07A3915AF}"/>
-                </c:ext>
-              </c:extLst>
-            </c:dLbl>
-            <c:numFmt formatCode="#,##0.00" sourceLinked="0"/>
-            <c:spPr>
-              <a:noFill/>
-              <a:ln>
-                <a:noFill/>
-              </a:ln>
-              <a:effectLst/>
-            </c:spPr>
-            <c:txPr>
-              <a:bodyPr/>
-              <a:lstStyle/>
-              <a:p>
-                <a:pPr>
-                  <a:defRPr b="1">
-                    <a:solidFill>
-                      <a:schemeClr val="bg1"/>
-                    </a:solidFill>
-                  </a:defRPr>
-                </a:pPr>
-                <a:endParaRPr lang="en-US"/>
-              </a:p>
-            </c:txPr>
-            <c:showLegendKey val="0"/>
-            <c:showVal val="1"/>
-            <c:showCatName val="0"/>
-            <c:showSerName val="0"/>
-            <c:showPercent val="0"/>
-            <c:showBubbleSize val="0"/>
-            <c:showLeaderLines val="0"/>
-            <c:extLst>
-              <c:ext xmlns:c15="http://schemas.microsoft.com/office/drawing/2012/chart" uri="{CE6537A1-D6FC-4f65-9D91-7224C49458BB}">
-                <c15:showLeaderLines val="0"/>
-              </c:ext>
-            </c:extLst>
-          </c:dLbls>
-          <c:cat>
-            <c:strRef>
-              <c:f>Sheet10!$A$5:$A$15</c:f>
-              <c:strCache>
-                <c:ptCount val="10"/>
-                <c:pt idx="0">
-                  <c:v>S&amp;P 500 CONS DISCRET IDX</c:v>
-                </c:pt>
-                <c:pt idx="1">
-                  <c:v>S&amp;P 500 CONS STAPLES IDX</c:v>
-                </c:pt>
-                <c:pt idx="2">
-                  <c:v>S&amp;P 500 ENERGY INDEX</c:v>
-                </c:pt>
-                <c:pt idx="3">
-                  <c:v>S&amp;P 500 FINANCIALS INDEX</c:v>
-                </c:pt>
-                <c:pt idx="4">
-                  <c:v>S&amp;P 500 HEALTH CARE IDX</c:v>
-                </c:pt>
-                <c:pt idx="5">
-                  <c:v>S&amp;P 500 INDUSTRIALS IDX</c:v>
-                </c:pt>
-                <c:pt idx="6">
-                  <c:v>S&amp;P 500 INFO TECH INDEX</c:v>
-                </c:pt>
-                <c:pt idx="7">
-                  <c:v>S&amp;P 500 MATERIALS INDEX</c:v>
-                </c:pt>
-                <c:pt idx="8">
-                  <c:v>S&amp;P 500 TELECOM SERV IDX</c:v>
-                </c:pt>
-                <c:pt idx="9">
-                  <c:v>S&amp;P 500 UTILITIES INDEX</c:v>
-                </c:pt>
-              </c:strCache>
-            </c:strRef>
-          </c:cat>
-          <c:val>
-            <c:numRef>
-              <c:f>Sheet10!$B$5:$B$15</c:f>
-              <c:numCache>
-                <c:formatCode>General</c:formatCode>
-                <c:ptCount val="10"/>
-                <c:pt idx="0">
-                  <c:v>8.8398688505326811E-2</c:v>
-                </c:pt>
-                <c:pt idx="1">
-                  <c:v>5.7138076483028746</c:v>
-                </c:pt>
-                <c:pt idx="2">
-                  <c:v>3.1569837396217535</c:v>
-                </c:pt>
-                <c:pt idx="3">
-                  <c:v>2.0796075533797453</c:v>
-                </c:pt>
-                <c:pt idx="4">
-                  <c:v>5.6519851617018153</c:v>
-                </c:pt>
-                <c:pt idx="5">
-                  <c:v>0.48298688696854897</c:v>
-                </c:pt>
-                <c:pt idx="6">
-                  <c:v>3.0883149999083828</c:v>
-                </c:pt>
-                <c:pt idx="7">
-                  <c:v>-1.2949421270166963</c:v>
-                </c:pt>
-                <c:pt idx="8">
-                  <c:v>2.8712236863906484</c:v>
-                </c:pt>
-                <c:pt idx="9">
-                  <c:v>3.8261573644386728</c:v>
-                </c:pt>
-              </c:numCache>
-            </c:numRef>
-          </c:val>
-          <c:extLst>
-            <c:ext xmlns:c16="http://schemas.microsoft.com/office/drawing/2014/chart" uri="{C3380CC4-5D6E-409C-BE32-E72D297353CC}">
-              <c16:uniqueId val="{00000008-004C-8E44-922E-5CA07A3915AF}"/>
-            </c:ext>
-          </c:extLst>
-        </c:ser>
-        <c:dLbls>
-          <c:showLegendKey val="0"/>
-          <c:showVal val="0"/>
-          <c:showCatName val="0"/>
-          <c:showSerName val="0"/>
-          <c:showPercent val="0"/>
-          <c:showBubbleSize val="0"/>
-        </c:dLbls>
-        <c:gapWidth val="150"/>
-        <c:axId val="95385088"/>
-        <c:axId val="39980992"/>
-      </c:barChart>
-      <c:catAx>
-        <c:axId val="95385088"/>
-        <c:scaling>
-          <c:orientation val="minMax"/>
-        </c:scaling>
-        <c:delete val="0"/>
-        <c:axPos val="b"/>
-        <c:numFmt formatCode="General" sourceLinked="0"/>
-        <c:majorTickMark val="out"/>
-        <c:minorTickMark val="none"/>
-        <c:tickLblPos val="nextTo"/>
-        <c:txPr>
-          <a:bodyPr/>
-          <a:lstStyle/>
-          <a:p>
-            <a:pPr>
-              <a:defRPr sz="700" b="1">
-                <a:solidFill>
-                  <a:schemeClr val="bg1"/>
-                </a:solidFill>
-              </a:defRPr>
-            </a:pPr>
-            <a:endParaRPr lang="en-US"/>
-          </a:p>
-        </c:txPr>
-        <c:crossAx val="39980992"/>
-        <c:crosses val="autoZero"/>
-        <c:auto val="1"/>
-        <c:lblAlgn val="ctr"/>
-        <c:lblOffset val="100"/>
-        <c:noMultiLvlLbl val="0"/>
-      </c:catAx>
-      <c:valAx>
-        <c:axId val="39980992"/>
-        <c:scaling>
-          <c:orientation val="minMax"/>
-        </c:scaling>
-        <c:delete val="0"/>
-        <c:axPos val="l"/>
-        <c:title>
-          <c:tx>
-            <c:rich>
-              <a:bodyPr rot="-5400000" vert="horz"/>
-              <a:lstStyle/>
-              <a:p>
-                <a:pPr>
-                  <a:defRPr>
-                    <a:solidFill>
-                      <a:schemeClr val="bg1"/>
-                    </a:solidFill>
-                  </a:defRPr>
-                </a:pPr>
-                <a:r>
-                  <a:rPr lang="en-US">
-                    <a:solidFill>
-                      <a:schemeClr val="bg1"/>
-                    </a:solidFill>
-                  </a:rPr>
-                  <a:t>Total Returns (%)</a:t>
-                </a:r>
-              </a:p>
-            </c:rich>
-          </c:tx>
-          <c:overlay val="0"/>
-        </c:title>
-        <c:numFmt formatCode="#,##0" sourceLinked="0"/>
-        <c:majorTickMark val="out"/>
-        <c:minorTickMark val="none"/>
-        <c:tickLblPos val="nextTo"/>
-        <c:txPr>
-          <a:bodyPr/>
-          <a:lstStyle/>
-          <a:p>
-            <a:pPr>
-              <a:defRPr>
-                <a:solidFill>
-                  <a:schemeClr val="bg1"/>
-                </a:solidFill>
-              </a:defRPr>
-            </a:pPr>
-            <a:endParaRPr lang="en-US"/>
-          </a:p>
-        </c:txPr>
-        <c:crossAx val="95385088"/>
-        <c:crosses val="autoZero"/>
-        <c:crossBetween val="between"/>
-      </c:valAx>
-    </c:plotArea>
-    <c:plotVisOnly val="1"/>
-    <c:dispBlanksAs val="gap"/>
-    <c:showDLblsOverMax val="0"/>
-  </c:chart>
-  <c:externalData r:id="rId1">
-    <c:autoUpdate val="0"/>
-  </c:externalData>
-  <c:extLst>
-    <c:ext xmlns:c14="http://schemas.microsoft.com/office/drawing/2007/8/2/chart" uri="{781A3756-C4B2-4CAC-9D66-4F8BD8637D16}">
-      <c14:pivotOptions>
-        <c14:dropZoneFilter val="1"/>
-        <c14:dropZoneCategories val="1"/>
-        <c14:dropZoneData val="1"/>
-        <c14:dropZonesVisible val="1"/>
-      </c14:pivotOptions>
-    </c:ext>
-  </c:extLst>
-</c:chartSpace>
-</file>
-
-<file path=ppt/charts/chart2.xml><?xml version="1.0" encoding="utf-8"?>
-<c:chartSpace xmlns:c="http://schemas.openxmlformats.org/drawingml/2006/chart" xmlns:a="http://schemas.openxmlformats.org/drawingml/2006/main" xmlns:r="http://schemas.openxmlformats.org/officeDocument/2006/relationships" xmlns:c16r2="http://schemas.microsoft.com/office/drawing/2015/06/chart">
-  <c:date1904 val="0"/>
-  <c:lang val="en-US"/>
-  <c:roundedCorners val="0"/>
-  <mc:AlternateContent xmlns:mc="http://schemas.openxmlformats.org/markup-compatibility/2006">
-    <mc:Choice xmlns:c14="http://schemas.microsoft.com/office/drawing/2007/8/2/chart" Requires="c14">
-      <c14:style val="102"/>
-    </mc:Choice>
-    <mc:Fallback>
-      <c:style val="2"/>
-    </mc:Fallback>
-  </mc:AlternateContent>
-  <c:pivotSource>
-    <c:name>[Wright Fund Portfolio Project Data v2.xlsx]Sheet7!PivotTable2</c:name>
-    <c:fmtId val="-1"/>
-  </c:pivotSource>
-  <c:chart>
-    <c:title>
-      <c:tx>
-        <c:rich>
-          <a:bodyPr/>
-          <a:lstStyle/>
-          <a:p>
-            <a:pPr>
-              <a:defRPr>
-                <a:solidFill>
-                  <a:schemeClr val="bg1"/>
-                </a:solidFill>
-              </a:defRPr>
-            </a:pPr>
-            <a:r>
-              <a:rPr lang="en-US" sz="1800" b="1" i="0" baseline="0" dirty="0">
-                <a:solidFill>
-                  <a:schemeClr val="bg1"/>
-                </a:solidFill>
-                <a:effectLst/>
-              </a:rPr>
-              <a:t>Average Total Return from 1990-2013:</a:t>
-            </a:r>
-            <a:r>
-              <a:rPr lang="en-US" sz="1800" b="1" i="0" baseline="0" dirty="0">
-                <a:solidFill>
-                  <a:srgbClr val="FFFF00"/>
-                </a:solidFill>
-                <a:effectLst/>
-              </a:rPr>
-              <a:t> Nov - Apr</a:t>
-            </a:r>
-            <a:endParaRPr lang="en-US" dirty="0">
-              <a:solidFill>
-                <a:srgbClr val="FFFF00"/>
-              </a:solidFill>
-              <a:effectLst/>
-            </a:endParaRPr>
-          </a:p>
-        </c:rich>
-      </c:tx>
-      <c:overlay val="0"/>
-    </c:title>
-    <c:autoTitleDeleted val="0"/>
-    <c:pivotFmts>
-      <c:pivotFmt>
-        <c:idx val="0"/>
-        <c:marker>
-          <c:symbol val="none"/>
-        </c:marker>
-      </c:pivotFmt>
-      <c:pivotFmt>
-        <c:idx val="1"/>
-        <c:marker>
-          <c:symbol val="none"/>
-        </c:marker>
-      </c:pivotFmt>
-      <c:pivotFmt>
-        <c:idx val="2"/>
-        <c:marker>
-          <c:symbol val="none"/>
-        </c:marker>
-      </c:pivotFmt>
-      <c:pivotFmt>
-        <c:idx val="3"/>
-        <c:marker>
-          <c:symbol val="none"/>
-        </c:marker>
-      </c:pivotFmt>
-      <c:pivotFmt>
-        <c:idx val="4"/>
-        <c:marker>
-          <c:symbol val="none"/>
-        </c:marker>
-      </c:pivotFmt>
-      <c:pivotFmt>
-        <c:idx val="5"/>
-        <c:marker>
-          <c:symbol val="none"/>
-        </c:marker>
-      </c:pivotFmt>
-      <c:pivotFmt>
-        <c:idx val="6"/>
-        <c:marker>
-          <c:symbol val="none"/>
-        </c:marker>
-      </c:pivotFmt>
-      <c:pivotFmt>
-        <c:idx val="7"/>
-        <c:marker>
-          <c:symbol val="none"/>
-        </c:marker>
-      </c:pivotFmt>
-      <c:pivotFmt>
-        <c:idx val="8"/>
-        <c:marker>
-          <c:symbol val="none"/>
-        </c:marker>
-      </c:pivotFmt>
-      <c:pivotFmt>
-        <c:idx val="9"/>
-        <c:marker>
-          <c:symbol val="none"/>
-        </c:marker>
-      </c:pivotFmt>
-      <c:pivotFmt>
-        <c:idx val="10"/>
-        <c:marker>
-          <c:symbol val="none"/>
-        </c:marker>
-      </c:pivotFmt>
-      <c:pivotFmt>
-        <c:idx val="11"/>
-        <c:marker>
-          <c:symbol val="none"/>
-        </c:marker>
-      </c:pivotFmt>
-      <c:pivotFmt>
-        <c:idx val="12"/>
-        <c:marker>
-          <c:symbol val="none"/>
-        </c:marker>
-      </c:pivotFmt>
-      <c:pivotFmt>
-        <c:idx val="13"/>
-        <c:marker>
-          <c:symbol val="none"/>
-        </c:marker>
-      </c:pivotFmt>
-      <c:pivotFmt>
-        <c:idx val="14"/>
-        <c:marker>
-          <c:symbol val="none"/>
-        </c:marker>
-      </c:pivotFmt>
-      <c:pivotFmt>
-        <c:idx val="15"/>
-        <c:marker>
-          <c:symbol val="none"/>
-        </c:marker>
-      </c:pivotFmt>
-      <c:pivotFmt>
-        <c:idx val="16"/>
-        <c:marker>
-          <c:symbol val="none"/>
-        </c:marker>
-      </c:pivotFmt>
-      <c:pivotFmt>
-        <c:idx val="17"/>
-        <c:marker>
-          <c:symbol val="none"/>
-        </c:marker>
-      </c:pivotFmt>
-      <c:pivotFmt>
-        <c:idx val="18"/>
-        <c:marker>
-          <c:symbol val="none"/>
-        </c:marker>
-      </c:pivotFmt>
-      <c:pivotFmt>
-        <c:idx val="19"/>
-        <c:marker>
-          <c:symbol val="none"/>
-        </c:marker>
-      </c:pivotFmt>
-      <c:pivotFmt>
-        <c:idx val="20"/>
-        <c:marker>
-          <c:symbol val="none"/>
-        </c:marker>
-      </c:pivotFmt>
-      <c:pivotFmt>
-        <c:idx val="21"/>
-        <c:marker>
-          <c:symbol val="none"/>
-        </c:marker>
-      </c:pivotFmt>
-      <c:pivotFmt>
-        <c:idx val="22"/>
-        <c:marker>
-          <c:symbol val="none"/>
-        </c:marker>
-      </c:pivotFmt>
-      <c:pivotFmt>
-        <c:idx val="23"/>
-        <c:marker>
-          <c:symbol val="none"/>
-        </c:marker>
-      </c:pivotFmt>
-      <c:pivotFmt>
-        <c:idx val="24"/>
-        <c:marker>
-          <c:symbol val="none"/>
-        </c:marker>
-      </c:pivotFmt>
-      <c:pivotFmt>
-        <c:idx val="25"/>
-        <c:marker>
-          <c:symbol val="none"/>
-        </c:marker>
-      </c:pivotFmt>
-      <c:pivotFmt>
-        <c:idx val="26"/>
-        <c:marker>
-          <c:symbol val="none"/>
-        </c:marker>
-      </c:pivotFmt>
-      <c:pivotFmt>
-        <c:idx val="27"/>
-        <c:marker>
-          <c:symbol val="none"/>
-        </c:marker>
-      </c:pivotFmt>
-      <c:pivotFmt>
-        <c:idx val="28"/>
-        <c:marker>
-          <c:symbol val="none"/>
-        </c:marker>
-      </c:pivotFmt>
-      <c:pivotFmt>
-        <c:idx val="29"/>
-        <c:marker>
-          <c:symbol val="none"/>
-        </c:marker>
-      </c:pivotFmt>
-      <c:pivotFmt>
-        <c:idx val="30"/>
-        <c:marker>
-          <c:symbol val="none"/>
-        </c:marker>
-      </c:pivotFmt>
-      <c:pivotFmt>
-        <c:idx val="31"/>
-        <c:marker>
-          <c:symbol val="none"/>
-        </c:marker>
-      </c:pivotFmt>
-      <c:pivotFmt>
-        <c:idx val="32"/>
-        <c:marker>
-          <c:symbol val="none"/>
-        </c:marker>
-      </c:pivotFmt>
-      <c:pivotFmt>
-        <c:idx val="33"/>
-        <c:marker>
-          <c:symbol val="none"/>
-        </c:marker>
-      </c:pivotFmt>
-      <c:pivotFmt>
-        <c:idx val="34"/>
-        <c:marker>
-          <c:symbol val="none"/>
-        </c:marker>
-      </c:pivotFmt>
-      <c:pivotFmt>
-        <c:idx val="35"/>
-        <c:marker>
-          <c:symbol val="none"/>
-        </c:marker>
-      </c:pivotFmt>
-      <c:pivotFmt>
-        <c:idx val="36"/>
-        <c:marker>
-          <c:symbol val="none"/>
-        </c:marker>
-      </c:pivotFmt>
-      <c:pivotFmt>
-        <c:idx val="37"/>
-        <c:marker>
-          <c:symbol val="none"/>
-        </c:marker>
-      </c:pivotFmt>
-      <c:pivotFmt>
-        <c:idx val="38"/>
-        <c:marker>
-          <c:symbol val="none"/>
-        </c:marker>
-      </c:pivotFmt>
-      <c:pivotFmt>
-        <c:idx val="39"/>
-        <c:marker>
-          <c:symbol val="none"/>
-        </c:marker>
-      </c:pivotFmt>
-      <c:pivotFmt>
-        <c:idx val="40"/>
-        <c:marker>
-          <c:symbol val="none"/>
-        </c:marker>
-      </c:pivotFmt>
-      <c:pivotFmt>
-        <c:idx val="41"/>
-        <c:spPr>
-          <a:solidFill>
-            <a:srgbClr val="FFFF00"/>
-          </a:solidFill>
-        </c:spPr>
-        <c:marker>
-          <c:symbol val="none"/>
-        </c:marker>
-      </c:pivotFmt>
-      <c:pivotFmt>
-        <c:idx val="42"/>
-        <c:spPr>
-          <a:solidFill>
-            <a:srgbClr val="0000FF"/>
-          </a:solidFill>
-        </c:spPr>
-        <c:marker>
-          <c:symbol val="none"/>
-        </c:marker>
-      </c:pivotFmt>
-      <c:pivotFmt>
-        <c:idx val="43"/>
-        <c:spPr>
-          <a:solidFill>
-            <a:srgbClr val="FF0000"/>
-          </a:solidFill>
-        </c:spPr>
-        <c:marker>
-          <c:symbol val="none"/>
-        </c:marker>
-      </c:pivotFmt>
-      <c:pivotFmt>
-        <c:idx val="44"/>
-        <c:marker>
-          <c:symbol val="none"/>
-        </c:marker>
-      </c:pivotFmt>
-      <c:pivotFmt>
-        <c:idx val="45"/>
-        <c:marker>
-          <c:symbol val="none"/>
-        </c:marker>
-      </c:pivotFmt>
-      <c:pivotFmt>
-        <c:idx val="46"/>
-        <c:marker>
-          <c:symbol val="none"/>
-        </c:marker>
-      </c:pivotFmt>
-      <c:pivotFmt>
-        <c:idx val="47"/>
-        <c:marker>
-          <c:symbol val="none"/>
-        </c:marker>
-      </c:pivotFmt>
-      <c:pivotFmt>
-        <c:idx val="48"/>
-        <c:spPr>
-          <a:solidFill>
-            <a:srgbClr val="FFFF00"/>
-          </a:solidFill>
-        </c:spPr>
-        <c:marker>
-          <c:symbol val="none"/>
-        </c:marker>
-      </c:pivotFmt>
-      <c:pivotFmt>
-        <c:idx val="49"/>
-        <c:spPr>
-          <a:solidFill>
-            <a:srgbClr val="0000FF"/>
-          </a:solidFill>
-        </c:spPr>
-        <c:marker>
-          <c:symbol val="none"/>
-        </c:marker>
-      </c:pivotFmt>
-      <c:pivotFmt>
-        <c:idx val="50"/>
-        <c:spPr>
-          <a:solidFill>
-            <a:srgbClr val="FF0000"/>
-          </a:solidFill>
-        </c:spPr>
-        <c:marker>
-          <c:symbol val="none"/>
-        </c:marker>
-      </c:pivotFmt>
-      <c:pivotFmt>
-        <c:idx val="51"/>
-        <c:marker>
-          <c:symbol val="none"/>
-        </c:marker>
-      </c:pivotFmt>
-      <c:pivotFmt>
-        <c:idx val="52"/>
-        <c:marker>
-          <c:symbol val="none"/>
-        </c:marker>
-      </c:pivotFmt>
-      <c:pivotFmt>
-        <c:idx val="53"/>
-        <c:marker>
-          <c:symbol val="none"/>
-        </c:marker>
-      </c:pivotFmt>
-      <c:pivotFmt>
-        <c:idx val="54"/>
-        <c:marker>
-          <c:symbol val="none"/>
-        </c:marker>
-      </c:pivotFmt>
-      <c:pivotFmt>
-        <c:idx val="55"/>
-        <c:marker>
-          <c:symbol val="none"/>
-        </c:marker>
-      </c:pivotFmt>
-      <c:pivotFmt>
-        <c:idx val="56"/>
-        <c:marker>
-          <c:symbol val="none"/>
-        </c:marker>
-      </c:pivotFmt>
-      <c:pivotFmt>
-        <c:idx val="57"/>
-        <c:marker>
-          <c:symbol val="none"/>
-        </c:marker>
-      </c:pivotFmt>
-      <c:pivotFmt>
-        <c:idx val="58"/>
-        <c:spPr>
-          <a:solidFill>
-            <a:srgbClr val="FFFF00"/>
-          </a:solidFill>
-        </c:spPr>
-        <c:marker>
-          <c:symbol val="none"/>
-        </c:marker>
-      </c:pivotFmt>
-      <c:pivotFmt>
-        <c:idx val="59"/>
-        <c:spPr>
-          <a:solidFill>
-            <a:srgbClr val="0000FF"/>
-          </a:solidFill>
-        </c:spPr>
-        <c:marker>
-          <c:symbol val="none"/>
-        </c:marker>
-      </c:pivotFmt>
-      <c:pivotFmt>
-        <c:idx val="60"/>
-        <c:spPr>
-          <a:solidFill>
-            <a:srgbClr val="FF0000"/>
-          </a:solidFill>
-        </c:spPr>
-        <c:marker>
-          <c:symbol val="none"/>
-        </c:marker>
-      </c:pivotFmt>
-      <c:pivotFmt>
-        <c:idx val="61"/>
-        <c:marker>
-          <c:symbol val="none"/>
-        </c:marker>
-      </c:pivotFmt>
-      <c:pivotFmt>
-        <c:idx val="62"/>
-        <c:marker>
-          <c:symbol val="none"/>
-        </c:marker>
-      </c:pivotFmt>
-      <c:pivotFmt>
-        <c:idx val="63"/>
-        <c:marker>
-          <c:symbol val="none"/>
-        </c:marker>
-      </c:pivotFmt>
-      <c:pivotFmt>
-        <c:idx val="64"/>
-        <c:marker>
-          <c:symbol val="none"/>
-        </c:marker>
-        <c:dLbl>
-          <c:idx val="0"/>
-          <c:spPr/>
-          <c:txPr>
-            <a:bodyPr/>
-            <a:lstStyle/>
-            <a:p>
-              <a:pPr>
-                <a:defRPr/>
-              </a:pPr>
-              <a:endParaRPr lang="en-US"/>
-            </a:p>
-          </c:txPr>
-          <c:showLegendKey val="0"/>
-          <c:showVal val="1"/>
-          <c:showCatName val="0"/>
-          <c:showSerName val="0"/>
-          <c:showPercent val="0"/>
-          <c:showBubbleSize val="0"/>
-          <c:extLst>
-            <c:ext xmlns:c15="http://schemas.microsoft.com/office/drawing/2012/chart" uri="{CE6537A1-D6FC-4f65-9D91-7224C49458BB}"/>
-          </c:extLst>
-        </c:dLbl>
-      </c:pivotFmt>
-      <c:pivotFmt>
-        <c:idx val="65"/>
-        <c:spPr>
-          <a:solidFill>
-            <a:srgbClr val="00B050"/>
-          </a:solidFill>
-        </c:spPr>
-      </c:pivotFmt>
-      <c:pivotFmt>
-        <c:idx val="66"/>
-        <c:spPr>
-          <a:solidFill>
-            <a:srgbClr val="00B050"/>
-          </a:solidFill>
-        </c:spPr>
-      </c:pivotFmt>
-      <c:pivotFmt>
-        <c:idx val="67"/>
-        <c:spPr>
-          <a:solidFill>
-            <a:srgbClr val="00B050"/>
-          </a:solidFill>
-        </c:spPr>
-      </c:pivotFmt>
-      <c:pivotFmt>
-        <c:idx val="68"/>
-        <c:marker>
-          <c:symbol val="none"/>
-        </c:marker>
-        <c:dLbl>
-          <c:idx val="0"/>
-          <c:spPr/>
-          <c:txPr>
-            <a:bodyPr/>
-            <a:lstStyle/>
-            <a:p>
-              <a:pPr>
-                <a:defRPr/>
-              </a:pPr>
-              <a:endParaRPr lang="en-US"/>
-            </a:p>
-          </c:txPr>
-          <c:showLegendKey val="0"/>
-          <c:showVal val="1"/>
-          <c:showCatName val="0"/>
-          <c:showSerName val="0"/>
-          <c:showPercent val="0"/>
-          <c:showBubbleSize val="0"/>
-          <c:extLst>
-            <c:ext xmlns:c15="http://schemas.microsoft.com/office/drawing/2012/chart" uri="{CE6537A1-D6FC-4f65-9D91-7224C49458BB}"/>
-          </c:extLst>
-        </c:dLbl>
-      </c:pivotFmt>
-      <c:pivotFmt>
-        <c:idx val="69"/>
-        <c:spPr>
-          <a:solidFill>
-            <a:srgbClr val="00B050"/>
-          </a:solidFill>
-        </c:spPr>
-      </c:pivotFmt>
-      <c:pivotFmt>
-        <c:idx val="70"/>
-        <c:spPr>
-          <a:solidFill>
-            <a:srgbClr val="00B050"/>
-          </a:solidFill>
-        </c:spPr>
-      </c:pivotFmt>
-      <c:pivotFmt>
-        <c:idx val="71"/>
-        <c:spPr>
-          <a:solidFill>
-            <a:srgbClr val="00B050"/>
-          </a:solidFill>
-        </c:spPr>
-      </c:pivotFmt>
-      <c:pivotFmt>
-        <c:idx val="72"/>
-        <c:marker>
-          <c:symbol val="none"/>
-        </c:marker>
-        <c:dLbl>
-          <c:idx val="0"/>
-          <c:spPr/>
-          <c:txPr>
-            <a:bodyPr/>
-            <a:lstStyle/>
-            <a:p>
-              <a:pPr>
-                <a:defRPr/>
-              </a:pPr>
-              <a:endParaRPr lang="en-US"/>
-            </a:p>
-          </c:txPr>
-          <c:showLegendKey val="0"/>
-          <c:showVal val="1"/>
-          <c:showCatName val="0"/>
-          <c:showSerName val="0"/>
-          <c:showPercent val="0"/>
-          <c:showBubbleSize val="0"/>
-          <c:extLst>
-            <c:ext xmlns:c15="http://schemas.microsoft.com/office/drawing/2012/chart" uri="{CE6537A1-D6FC-4f65-9D91-7224C49458BB}"/>
-          </c:extLst>
-        </c:dLbl>
-      </c:pivotFmt>
-      <c:pivotFmt>
-        <c:idx val="73"/>
-        <c:spPr>
-          <a:solidFill>
-            <a:srgbClr val="00B050"/>
-          </a:solidFill>
-        </c:spPr>
-      </c:pivotFmt>
-      <c:pivotFmt>
-        <c:idx val="74"/>
-        <c:spPr>
-          <a:solidFill>
-            <a:srgbClr val="00B050"/>
-          </a:solidFill>
-        </c:spPr>
-      </c:pivotFmt>
-      <c:pivotFmt>
-        <c:idx val="75"/>
-        <c:spPr>
-          <a:solidFill>
-            <a:srgbClr val="00B050"/>
-          </a:solidFill>
-        </c:spPr>
-      </c:pivotFmt>
-    </c:pivotFmts>
-    <c:plotArea>
-      <c:layout/>
-      <c:barChart>
-        <c:barDir val="col"/>
-        <c:grouping val="clustered"/>
-        <c:varyColors val="0"/>
-        <c:ser>
-          <c:idx val="0"/>
-          <c:order val="0"/>
-          <c:tx>
-            <c:strRef>
-              <c:f>Sheet7!$B$4</c:f>
-              <c:strCache>
-                <c:ptCount val="1"/>
-                <c:pt idx="0">
-                  <c:v>Total</c:v>
-                </c:pt>
-              </c:strCache>
-            </c:strRef>
-          </c:tx>
-          <c:invertIfNegative val="0"/>
-          <c:dPt>
-            <c:idx val="0"/>
-            <c:invertIfNegative val="0"/>
-            <c:bubble3D val="0"/>
-            <c:spPr>
-              <a:solidFill>
-                <a:srgbClr val="00B050"/>
-              </a:solidFill>
-            </c:spPr>
-            <c:extLst>
-              <c:ext xmlns:c16="http://schemas.microsoft.com/office/drawing/2014/chart" uri="{C3380CC4-5D6E-409C-BE32-E72D297353CC}">
-                <c16:uniqueId val="{00000001-6463-994F-9479-99E17F74E821}"/>
-              </c:ext>
-            </c:extLst>
-          </c:dPt>
-          <c:dPt>
-            <c:idx val="5"/>
-            <c:invertIfNegative val="0"/>
-            <c:bubble3D val="0"/>
-            <c:spPr>
-              <a:solidFill>
-                <a:srgbClr val="00B050"/>
-              </a:solidFill>
-            </c:spPr>
-            <c:extLst>
-              <c:ext xmlns:c16="http://schemas.microsoft.com/office/drawing/2014/chart" uri="{C3380CC4-5D6E-409C-BE32-E72D297353CC}">
-                <c16:uniqueId val="{00000003-6463-994F-9479-99E17F74E821}"/>
-              </c:ext>
-            </c:extLst>
-          </c:dPt>
-          <c:dPt>
-            <c:idx val="7"/>
-            <c:invertIfNegative val="0"/>
-            <c:bubble3D val="0"/>
-            <c:spPr>
-              <a:solidFill>
-                <a:srgbClr val="00B050"/>
-              </a:solidFill>
-            </c:spPr>
-            <c:extLst>
-              <c:ext xmlns:c16="http://schemas.microsoft.com/office/drawing/2014/chart" uri="{C3380CC4-5D6E-409C-BE32-E72D297353CC}">
-                <c16:uniqueId val="{00000005-6463-994F-9479-99E17F74E821}"/>
-              </c:ext>
-            </c:extLst>
-          </c:dPt>
-          <c:dLbls>
-            <c:spPr>
-              <a:noFill/>
-              <a:ln>
-                <a:noFill/>
-              </a:ln>
-              <a:effectLst/>
-            </c:spPr>
-            <c:txPr>
-              <a:bodyPr/>
-              <a:lstStyle/>
-              <a:p>
-                <a:pPr>
-                  <a:defRPr b="1">
-                    <a:solidFill>
-                      <a:schemeClr val="bg1"/>
-                    </a:solidFill>
-                  </a:defRPr>
-                </a:pPr>
-                <a:endParaRPr lang="en-US"/>
-              </a:p>
-            </c:txPr>
-            <c:showLegendKey val="0"/>
-            <c:showVal val="1"/>
-            <c:showCatName val="0"/>
-            <c:showSerName val="0"/>
-            <c:showPercent val="0"/>
-            <c:showBubbleSize val="0"/>
-            <c:showLeaderLines val="0"/>
-            <c:extLst>
-              <c:ext xmlns:c15="http://schemas.microsoft.com/office/drawing/2012/chart" uri="{CE6537A1-D6FC-4f65-9D91-7224C49458BB}">
-                <c15:showLeaderLines val="0"/>
-              </c:ext>
-            </c:extLst>
-          </c:dLbls>
-          <c:cat>
-            <c:strRef>
-              <c:f>Sheet7!$A$5:$A$15</c:f>
-              <c:strCache>
-                <c:ptCount val="10"/>
-                <c:pt idx="0">
-                  <c:v>S&amp;P 500 CONS DISCRET IDX</c:v>
-                </c:pt>
-                <c:pt idx="1">
-                  <c:v>S&amp;P 500 CONS STAPLES IDX</c:v>
-                </c:pt>
-                <c:pt idx="2">
-                  <c:v>S&amp;P 500 ENERGY INDEX</c:v>
-                </c:pt>
-                <c:pt idx="3">
-                  <c:v>S&amp;P 500 FINANCIALS INDEX</c:v>
-                </c:pt>
-                <c:pt idx="4">
-                  <c:v>S&amp;P 500 HEALTH CARE IDX</c:v>
-                </c:pt>
-                <c:pt idx="5">
-                  <c:v>S&amp;P 500 INDUSTRIALS IDX</c:v>
-                </c:pt>
-                <c:pt idx="6">
-                  <c:v>S&amp;P 500 INFO TECH INDEX</c:v>
-                </c:pt>
-                <c:pt idx="7">
-                  <c:v>S&amp;P 500 MATERIALS INDEX</c:v>
-                </c:pt>
-                <c:pt idx="8">
-                  <c:v>S&amp;P 500 TELECOM SERV IDX</c:v>
-                </c:pt>
-                <c:pt idx="9">
-                  <c:v>S&amp;P 500 UTILITIES INDEX</c:v>
-                </c:pt>
-              </c:strCache>
-            </c:strRef>
-          </c:cat>
-          <c:val>
-            <c:numRef>
-              <c:f>Sheet7!$B$5:$B$15</c:f>
-              <c:numCache>
-                <c:formatCode>0.00</c:formatCode>
-                <c:ptCount val="10"/>
-                <c:pt idx="0">
-                  <c:v>11.20960429647053</c:v>
-                </c:pt>
-                <c:pt idx="1">
-                  <c:v>6.1513475339024737</c:v>
-                </c:pt>
-                <c:pt idx="2">
-                  <c:v>9.5862590641277023</c:v>
-                </c:pt>
-                <c:pt idx="3">
-                  <c:v>8.6113950738425693</c:v>
-                </c:pt>
-                <c:pt idx="4">
-                  <c:v>6.6925350386928857</c:v>
-                </c:pt>
-                <c:pt idx="5">
-                  <c:v>10.72980460263719</c:v>
-                </c:pt>
-                <c:pt idx="6">
-                  <c:v>9.026211788949885</c:v>
-                </c:pt>
-                <c:pt idx="7">
-                  <c:v>10.91612330467315</c:v>
-                </c:pt>
-                <c:pt idx="8">
-                  <c:v>4.7504881976574227</c:v>
-                </c:pt>
-                <c:pt idx="9">
-                  <c:v>5.3514656868724026</c:v>
-                </c:pt>
-              </c:numCache>
-            </c:numRef>
-          </c:val>
-          <c:extLst>
-            <c:ext xmlns:c16="http://schemas.microsoft.com/office/drawing/2014/chart" uri="{C3380CC4-5D6E-409C-BE32-E72D297353CC}">
-              <c16:uniqueId val="{00000006-6463-994F-9479-99E17F74E821}"/>
-            </c:ext>
-          </c:extLst>
-        </c:ser>
-        <c:dLbls>
-          <c:showLegendKey val="0"/>
-          <c:showVal val="0"/>
-          <c:showCatName val="0"/>
-          <c:showSerName val="0"/>
-          <c:showPercent val="0"/>
-          <c:showBubbleSize val="0"/>
-        </c:dLbls>
-        <c:gapWidth val="150"/>
-        <c:axId val="95387136"/>
-        <c:axId val="39983296"/>
-      </c:barChart>
-      <c:catAx>
-        <c:axId val="95387136"/>
-        <c:scaling>
-          <c:orientation val="minMax"/>
-        </c:scaling>
-        <c:delete val="0"/>
-        <c:axPos val="b"/>
-        <c:numFmt formatCode="General" sourceLinked="0"/>
-        <c:majorTickMark val="out"/>
-        <c:minorTickMark val="none"/>
-        <c:tickLblPos val="nextTo"/>
-        <c:txPr>
-          <a:bodyPr/>
-          <a:lstStyle/>
-          <a:p>
-            <a:pPr>
-              <a:defRPr sz="700" b="1">
-                <a:solidFill>
-                  <a:schemeClr val="bg1"/>
-                </a:solidFill>
-              </a:defRPr>
-            </a:pPr>
-            <a:endParaRPr lang="en-US"/>
-          </a:p>
-        </c:txPr>
-        <c:crossAx val="39983296"/>
-        <c:crosses val="autoZero"/>
-        <c:auto val="1"/>
-        <c:lblAlgn val="ctr"/>
-        <c:lblOffset val="100"/>
-        <c:noMultiLvlLbl val="0"/>
-      </c:catAx>
-      <c:valAx>
-        <c:axId val="39983296"/>
-        <c:scaling>
-          <c:orientation val="minMax"/>
-        </c:scaling>
-        <c:delete val="0"/>
-        <c:axPos val="l"/>
-        <c:title>
-          <c:tx>
-            <c:rich>
-              <a:bodyPr rot="-5400000" vert="horz"/>
-              <a:lstStyle/>
-              <a:p>
-                <a:pPr>
-                  <a:defRPr>
-                    <a:solidFill>
-                      <a:schemeClr val="bg1"/>
-                    </a:solidFill>
-                  </a:defRPr>
-                </a:pPr>
-                <a:r>
-                  <a:rPr lang="en-US">
-                    <a:solidFill>
-                      <a:schemeClr val="bg1"/>
-                    </a:solidFill>
-                  </a:rPr>
-                  <a:t>Total Returns (%)</a:t>
-                </a:r>
-              </a:p>
-            </c:rich>
-          </c:tx>
-          <c:overlay val="0"/>
-        </c:title>
-        <c:numFmt formatCode="0" sourceLinked="0"/>
-        <c:majorTickMark val="out"/>
-        <c:minorTickMark val="none"/>
-        <c:tickLblPos val="nextTo"/>
-        <c:txPr>
-          <a:bodyPr/>
-          <a:lstStyle/>
-          <a:p>
-            <a:pPr>
-              <a:defRPr>
-                <a:solidFill>
-                  <a:schemeClr val="bg1"/>
-                </a:solidFill>
-              </a:defRPr>
-            </a:pPr>
-            <a:endParaRPr lang="en-US"/>
-          </a:p>
-        </c:txPr>
-        <c:crossAx val="95387136"/>
-        <c:crosses val="autoZero"/>
-        <c:crossBetween val="between"/>
-      </c:valAx>
-    </c:plotArea>
-    <c:plotVisOnly val="1"/>
-    <c:dispBlanksAs val="gap"/>
-    <c:showDLblsOverMax val="0"/>
-  </c:chart>
-  <c:externalData r:id="rId1">
-    <c:autoUpdate val="0"/>
-  </c:externalData>
-  <c:extLst>
-    <c:ext xmlns:c14="http://schemas.microsoft.com/office/drawing/2007/8/2/chart" uri="{781A3756-C4B2-4CAC-9D66-4F8BD8637D16}">
-      <c14:pivotOptions>
-        <c14:dropZoneFilter val="1"/>
-        <c14:dropZoneCategories val="1"/>
-        <c14:dropZoneData val="1"/>
-        <c14:dropZonesVisible val="1"/>
-      </c14:pivotOptions>
-    </c:ext>
-  </c:extLst>
-</c:chartSpace>
 </file>
 
 <file path=ppt/handoutMasters/handoutMaster1.xml><?xml version="1.0" encoding="utf-8"?>
@@ -6423,7 +4457,7 @@
             <a:pPr algn="l"/>
             <a:r>
               <a:rPr lang="en-US" dirty="0"/>
-              <a:t>Thesis - 'Sell In May And Go Away'</a:t>
+              <a:t>Seeking Alpha: Overview of Returns</a:t>
             </a:r>
           </a:p>
         </p:txBody>
@@ -6442,19 +4476,6 @@
         <p:txBody>
           <a:bodyPr/>
           <a:lstStyle/>
-          <a:p>
-            <a:r>
-              <a:rPr lang="en-US" sz="1600" b="1" dirty="0"/>
-              <a:t>What is 'Sell In May And Go Away'?</a:t>
-            </a:r>
-          </a:p>
-          <a:p>
-            <a:pPr lvl="1"/>
-            <a:r>
-              <a:rPr lang="en-US" sz="1300" dirty="0"/>
-              <a:t>Sell in May and go away is a well-known trading adage that warns investors to sell their stock holdings in May to avoid a seasonal decline in equity markets. If a trader follows the sell-in-May-and-go-away strategy, the trader sells stock holdings in May and invests again in the equity market in November to avoid the typically volatile May to October period. Some investors find this strategy more rewarding than staying in the equity markets throughout the year.</a:t>
-            </a:r>
-          </a:p>
           <a:p>
             <a:pPr marL="0" indent="0">
               <a:buNone/>
@@ -6547,31 +4568,6 @@
           </a:p>
         </p:txBody>
       </p:sp>
-      <p:graphicFrame>
-        <p:nvGraphicFramePr>
-          <p:cNvPr id="4" name="Content Placeholder 3"/>
-          <p:cNvGraphicFramePr>
-            <a:graphicFrameLocks noGrp="1"/>
-          </p:cNvGraphicFramePr>
-          <p:nvPr>
-            <p:ph idx="4294967295"/>
-            <p:extLst>
-              <p:ext uri="{D42A27DB-BD31-4B8C-83A1-F6EECF244321}">
-                <p14:modId xmlns:p14="http://schemas.microsoft.com/office/powerpoint/2010/main" val="1891333741"/>
-              </p:ext>
-            </p:extLst>
-          </p:nvPr>
-        </p:nvGraphicFramePr>
-        <p:xfrm>
-          <a:off x="228600" y="2133600"/>
-          <a:ext cx="8229600" cy="4525963"/>
-        </p:xfrm>
-        <a:graphic>
-          <a:graphicData uri="http://schemas.openxmlformats.org/drawingml/2006/chart">
-            <c:chart xmlns:c="http://schemas.openxmlformats.org/drawingml/2006/chart" xmlns:r="http://schemas.openxmlformats.org/officeDocument/2006/relationships" r:id="rId2"/>
-          </a:graphicData>
-        </a:graphic>
-      </p:graphicFrame>
       <p:sp>
         <p:nvSpPr>
           <p:cNvPr id="7" name="Title 1">
@@ -6784,7 +4780,7 @@
                   <a:schemeClr val="bg1"/>
                 </a:solidFill>
               </a:rPr>
-              <a:t>Average Total Return from 1990-2018 by Season</a:t>
+              <a:t>Average Total Return from 1951-2018: May - Oct</a:t>
             </a:r>
             <a:endParaRPr lang="en-US" dirty="0">
               <a:solidFill>
@@ -6853,31 +4849,228 @@
           </a:p>
         </p:txBody>
       </p:sp>
-      <p:graphicFrame>
-        <p:nvGraphicFramePr>
-          <p:cNvPr id="5" name="Content Placeholder 4"/>
-          <p:cNvGraphicFramePr>
-            <a:graphicFrameLocks noGrp="1"/>
-          </p:cNvGraphicFramePr>
-          <p:nvPr>
-            <p:ph idx="1"/>
-            <p:extLst>
-              <p:ext uri="{D42A27DB-BD31-4B8C-83A1-F6EECF244321}">
-                <p14:modId xmlns:p14="http://schemas.microsoft.com/office/powerpoint/2010/main" val="402342941"/>
-              </p:ext>
-            </p:extLst>
-          </p:nvPr>
-        </p:nvGraphicFramePr>
-        <p:xfrm>
-          <a:off x="457200" y="1600200"/>
-          <a:ext cx="8229600" cy="4525963"/>
-        </p:xfrm>
-        <a:graphic>
-          <a:graphicData uri="http://schemas.openxmlformats.org/drawingml/2006/chart">
-            <c:chart xmlns:c="http://schemas.openxmlformats.org/drawingml/2006/chart" xmlns:r="http://schemas.openxmlformats.org/officeDocument/2006/relationships" r:id="rId2"/>
-          </a:graphicData>
-        </a:graphic>
-      </p:graphicFrame>
+      <p:sp>
+        <p:nvSpPr>
+          <p:cNvPr id="6" name="Title 1">
+            <a:extLst>
+              <a:ext uri="{FF2B5EF4-FFF2-40B4-BE49-F238E27FC236}">
+                <a16:creationId xmlns:a16="http://schemas.microsoft.com/office/drawing/2014/main" id="{6D7F4553-3269-2C42-A862-F53947A229D2}"/>
+              </a:ext>
+            </a:extLst>
+          </p:cNvPr>
+          <p:cNvSpPr txBox="1">
+            <a:spLocks/>
+          </p:cNvSpPr>
+          <p:nvPr/>
+        </p:nvSpPr>
+        <p:spPr bwMode="auto">
+          <a:xfrm>
+            <a:off x="457200" y="1036834"/>
+            <a:ext cx="8229600" cy="1066800"/>
+          </a:xfrm>
+          <a:prstGeom prst="rect">
+            <a:avLst/>
+          </a:prstGeom>
+          <a:noFill/>
+          <a:ln w="9525">
+            <a:noFill/>
+            <a:miter lim="800000"/>
+            <a:headEnd/>
+            <a:tailEnd/>
+          </a:ln>
+          <a:effectLst>
+            <a:outerShdw blurRad="50800" dist="38100" dir="5400000" algn="t" rotWithShape="0">
+              <a:prstClr val="black">
+                <a:alpha val="40000"/>
+              </a:prstClr>
+            </a:outerShdw>
+          </a:effectLst>
+        </p:spPr>
+        <p:txBody>
+          <a:bodyPr vert="horz" wrap="square" lIns="91440" tIns="45720" rIns="91440" bIns="45720" numCol="1" anchor="ctr" anchorCtr="0" compatLnSpc="1">
+            <a:prstTxWarp prst="textNoShape">
+              <a:avLst/>
+            </a:prstTxWarp>
+            <a:normAutofit/>
+          </a:bodyPr>
+          <a:lstStyle>
+            <a:lvl1pPr algn="ctr" rtl="0" eaLnBrk="0" fontAlgn="base" hangingPunct="0">
+              <a:spcBef>
+                <a:spcPct val="0"/>
+              </a:spcBef>
+              <a:spcAft>
+                <a:spcPct val="0"/>
+              </a:spcAft>
+              <a:defRPr sz="3200" b="1" cap="none" spc="0">
+                <a:ln w="18415" cmpd="sng">
+                  <a:solidFill>
+                    <a:srgbClr val="FFFFFF"/>
+                  </a:solidFill>
+                  <a:prstDash val="solid"/>
+                </a:ln>
+                <a:solidFill>
+                  <a:srgbClr val="FFFFFF"/>
+                </a:solidFill>
+                <a:effectLst>
+                  <a:outerShdw blurRad="63500" dir="3600000" algn="tl" rotWithShape="0">
+                    <a:srgbClr val="000000">
+                      <a:alpha val="70000"/>
+                    </a:srgbClr>
+                  </a:outerShdw>
+                </a:effectLst>
+                <a:latin typeface="+mj-lt"/>
+                <a:ea typeface="+mj-ea"/>
+                <a:cs typeface="+mj-cs"/>
+              </a:defRPr>
+            </a:lvl1pPr>
+            <a:lvl2pPr algn="ctr" rtl="0" eaLnBrk="0" fontAlgn="base" hangingPunct="0">
+              <a:spcBef>
+                <a:spcPct val="0"/>
+              </a:spcBef>
+              <a:spcAft>
+                <a:spcPct val="0"/>
+              </a:spcAft>
+              <a:defRPr sz="3600">
+                <a:solidFill>
+                  <a:schemeClr val="bg1"/>
+                </a:solidFill>
+                <a:latin typeface="Arial Black" pitchFamily="34" charset="0"/>
+                <a:cs typeface="Arial" charset="0"/>
+              </a:defRPr>
+            </a:lvl2pPr>
+            <a:lvl3pPr algn="ctr" rtl="0" eaLnBrk="0" fontAlgn="base" hangingPunct="0">
+              <a:spcBef>
+                <a:spcPct val="0"/>
+              </a:spcBef>
+              <a:spcAft>
+                <a:spcPct val="0"/>
+              </a:spcAft>
+              <a:defRPr sz="3600">
+                <a:solidFill>
+                  <a:schemeClr val="bg1"/>
+                </a:solidFill>
+                <a:latin typeface="Arial Black" pitchFamily="34" charset="0"/>
+                <a:cs typeface="Arial" charset="0"/>
+              </a:defRPr>
+            </a:lvl3pPr>
+            <a:lvl4pPr algn="ctr" rtl="0" eaLnBrk="0" fontAlgn="base" hangingPunct="0">
+              <a:spcBef>
+                <a:spcPct val="0"/>
+              </a:spcBef>
+              <a:spcAft>
+                <a:spcPct val="0"/>
+              </a:spcAft>
+              <a:defRPr sz="3600">
+                <a:solidFill>
+                  <a:schemeClr val="bg1"/>
+                </a:solidFill>
+                <a:latin typeface="Arial Black" pitchFamily="34" charset="0"/>
+                <a:cs typeface="Arial" charset="0"/>
+              </a:defRPr>
+            </a:lvl4pPr>
+            <a:lvl5pPr algn="ctr" rtl="0" eaLnBrk="0" fontAlgn="base" hangingPunct="0">
+              <a:spcBef>
+                <a:spcPct val="0"/>
+              </a:spcBef>
+              <a:spcAft>
+                <a:spcPct val="0"/>
+              </a:spcAft>
+              <a:defRPr sz="3600">
+                <a:solidFill>
+                  <a:schemeClr val="bg1"/>
+                </a:solidFill>
+                <a:latin typeface="Arial Black" pitchFamily="34" charset="0"/>
+                <a:cs typeface="Arial" charset="0"/>
+              </a:defRPr>
+            </a:lvl5pPr>
+            <a:lvl6pPr marL="457200" algn="ctr" rtl="0" fontAlgn="base">
+              <a:spcBef>
+                <a:spcPct val="0"/>
+              </a:spcBef>
+              <a:spcAft>
+                <a:spcPct val="0"/>
+              </a:spcAft>
+              <a:defRPr sz="3600">
+                <a:solidFill>
+                  <a:schemeClr val="bg1"/>
+                </a:solidFill>
+                <a:latin typeface="Arial Black" pitchFamily="34" charset="0"/>
+                <a:cs typeface="Arial" charset="0"/>
+              </a:defRPr>
+            </a:lvl6pPr>
+            <a:lvl7pPr marL="914400" algn="ctr" rtl="0" fontAlgn="base">
+              <a:spcBef>
+                <a:spcPct val="0"/>
+              </a:spcBef>
+              <a:spcAft>
+                <a:spcPct val="0"/>
+              </a:spcAft>
+              <a:defRPr sz="3600">
+                <a:solidFill>
+                  <a:schemeClr val="bg1"/>
+                </a:solidFill>
+                <a:latin typeface="Arial Black" pitchFamily="34" charset="0"/>
+                <a:cs typeface="Arial" charset="0"/>
+              </a:defRPr>
+            </a:lvl7pPr>
+            <a:lvl8pPr marL="1371600" algn="ctr" rtl="0" fontAlgn="base">
+              <a:spcBef>
+                <a:spcPct val="0"/>
+              </a:spcBef>
+              <a:spcAft>
+                <a:spcPct val="0"/>
+              </a:spcAft>
+              <a:defRPr sz="3600">
+                <a:solidFill>
+                  <a:schemeClr val="bg1"/>
+                </a:solidFill>
+                <a:latin typeface="Arial Black" pitchFamily="34" charset="0"/>
+                <a:cs typeface="Arial" charset="0"/>
+              </a:defRPr>
+            </a:lvl8pPr>
+            <a:lvl9pPr marL="1828800" algn="ctr" rtl="0" fontAlgn="base">
+              <a:spcBef>
+                <a:spcPct val="0"/>
+              </a:spcBef>
+              <a:spcAft>
+                <a:spcPct val="0"/>
+              </a:spcAft>
+              <a:defRPr sz="3600">
+                <a:solidFill>
+                  <a:schemeClr val="bg1"/>
+                </a:solidFill>
+                <a:latin typeface="Arial Black" pitchFamily="34" charset="0"/>
+                <a:cs typeface="Arial" charset="0"/>
+              </a:defRPr>
+            </a:lvl9pPr>
+          </a:lstStyle>
+          <a:p>
+            <a:pPr>
+              <a:defRPr sz="1800" b="1" i="0" u="none" strike="noStrike" kern="1200" baseline="0">
+                <a:solidFill>
+                  <a:srgbClr val="FFFFFF"/>
+                </a:solidFill>
+                <a:latin typeface="+mn-lt"/>
+                <a:ea typeface="+mn-ea"/>
+                <a:cs typeface="+mn-cs"/>
+              </a:defRPr>
+            </a:pPr>
+            <a:r>
+              <a:rPr lang="en-US" dirty="0">
+                <a:solidFill>
+                  <a:schemeClr val="bg1"/>
+                </a:solidFill>
+              </a:rPr>
+              <a:t>Average Total Return from 1951-2018: Nov - Apr</a:t>
+            </a:r>
+            <a:endParaRPr lang="en-US" dirty="0">
+              <a:solidFill>
+                <a:srgbClr val="FFFF00"/>
+              </a:solidFill>
+            </a:endParaRPr>
+          </a:p>
+        </p:txBody>
+      </p:sp>
     </p:spTree>
     <p:extLst>
       <p:ext uri="{BB962C8B-B14F-4D97-AF65-F5344CB8AC3E}">
@@ -6948,35 +5141,71 @@
           <a:p>
             <a:r>
               <a:rPr lang="en-US" dirty="0"/>
-              <a:t>Evidence of the “Halloween Effect” or “Sell in May” strategy</a:t>
+              <a:t>Evidence of Seasonal Investing Benefits</a:t>
             </a:r>
           </a:p>
           <a:p>
             <a:pPr lvl="1"/>
             <a:r>
               <a:rPr lang="en-US" dirty="0"/>
-              <a:t>“Sell in May” is defined as investing in the historically best months (Nov - May) and then switching to bonds from May – Oct</a:t>
+              <a:t>May – Oct: </a:t>
+            </a:r>
+            <a:r>
+              <a:rPr lang="en-US" dirty="0" err="1"/>
+              <a:t>Avg</a:t>
+            </a:r>
+            <a:r>
+              <a:rPr lang="en-US" dirty="0"/>
+              <a:t> return 0.3% </a:t>
             </a:r>
           </a:p>
           <a:p>
             <a:pPr lvl="1"/>
             <a:r>
               <a:rPr lang="en-US" dirty="0"/>
-              <a:t>Initial studies showed that this effect has been in place since 1950</a:t>
+              <a:t>Nov – Apr: 7.5%</a:t>
+            </a:r>
+          </a:p>
+          <a:p>
+            <a:pPr lvl="1"/>
+            <a:r>
+              <a:rPr lang="en-US" dirty="0"/>
+              <a:t>Research is not clear what causes this strategy, but possible explanations are:</a:t>
             </a:r>
           </a:p>
           <a:p>
             <a:pPr lvl="2"/>
             <a:r>
               <a:rPr lang="en-US" dirty="0"/>
+              <a:t>Vacation months lead to risk aversion</a:t>
+            </a:r>
+          </a:p>
+          <a:p>
+            <a:pPr lvl="2"/>
+            <a:r>
+              <a:rPr lang="en-US" dirty="0"/>
+              <a:t>Optimism at the beginning of the year</a:t>
+            </a:r>
+          </a:p>
+          <a:p>
+            <a:pPr lvl="1"/>
+            <a:r>
+              <a:rPr lang="en-US" dirty="0"/>
+              <a:t>Effect has been in place since 1950</a:t>
+            </a:r>
+          </a:p>
+          <a:p>
+            <a:pPr lvl="2"/>
+            <a:r>
+              <a:rPr lang="en-US" dirty="0"/>
               <a:t>More recent studies show that this effect in 108 countries from data as far back as 1693 (Jacobsen &amp; Zhang, 2012)</a:t>
             </a:r>
           </a:p>
           <a:p>
-            <a:r>
-              <a:rPr lang="en-US" dirty="0"/>
-              <a:t>Not clear what causes this effect</a:t>
-            </a:r>
+            <a:pPr marL="914400" lvl="2" indent="0">
+              <a:buNone/>
+            </a:pPr>
+            <a:endParaRPr lang="en-US" dirty="0"/>
           </a:p>
         </p:txBody>
       </p:sp>
@@ -7013,263 +5242,6 @@
     <p:extLst>
       <p:ext uri="{BB962C8B-B14F-4D97-AF65-F5344CB8AC3E}">
         <p14:creationId xmlns:p14="http://schemas.microsoft.com/office/powerpoint/2010/main" val="2294092593"/>
-      </p:ext>
-    </p:extLst>
-  </p:cSld>
-  <p:clrMapOvr>
-    <a:masterClrMapping/>
-  </p:clrMapOvr>
-</p:sld>
-</file>
-
-<file path=ppt/slides/slide7.xml><?xml version="1.0" encoding="utf-8"?>
-<p:sld xmlns:a="http://schemas.openxmlformats.org/drawingml/2006/main" xmlns:r="http://schemas.openxmlformats.org/officeDocument/2006/relationships" xmlns:p="http://schemas.openxmlformats.org/presentationml/2006/main">
-  <p:cSld>
-    <p:spTree>
-      <p:nvGrpSpPr>
-        <p:cNvPr id="1" name=""/>
-        <p:cNvGrpSpPr/>
-        <p:nvPr/>
-      </p:nvGrpSpPr>
-      <p:grpSpPr>
-        <a:xfrm>
-          <a:off x="0" y="0"/>
-          <a:ext cx="0" cy="0"/>
-          <a:chOff x="0" y="0"/>
-          <a:chExt cx="0" cy="0"/>
-        </a:xfrm>
-      </p:grpSpPr>
-      <p:sp>
-        <p:nvSpPr>
-          <p:cNvPr id="2" name="Title 1"/>
-          <p:cNvSpPr>
-            <a:spLocks noGrp="1"/>
-          </p:cNvSpPr>
-          <p:nvPr>
-            <p:ph type="title"/>
-          </p:nvPr>
-        </p:nvSpPr>
-        <p:spPr/>
-        <p:txBody>
-          <a:bodyPr/>
-          <a:lstStyle/>
-          <a:p>
-            <a:pPr algn="l"/>
-            <a:r>
-              <a:rPr lang="en-US" dirty="0"/>
-              <a:t>“Sell in May”</a:t>
-            </a:r>
-          </a:p>
-        </p:txBody>
-      </p:sp>
-      <p:sp>
-        <p:nvSpPr>
-          <p:cNvPr id="3" name="Content Placeholder 2"/>
-          <p:cNvSpPr>
-            <a:spLocks noGrp="1"/>
-          </p:cNvSpPr>
-          <p:nvPr>
-            <p:ph idx="1"/>
-          </p:nvPr>
-        </p:nvSpPr>
-        <p:spPr/>
-        <p:txBody>
-          <a:bodyPr/>
-          <a:lstStyle/>
-          <a:p>
-            <a:r>
-              <a:rPr lang="en-US" dirty="0"/>
-              <a:t>Research is not clear what causes this strategy, but possible explanations are:</a:t>
-            </a:r>
-          </a:p>
-          <a:p>
-            <a:pPr lvl="1"/>
-            <a:r>
-              <a:rPr lang="en-US" dirty="0"/>
-              <a:t>Vacation months lead to risk aversion</a:t>
-            </a:r>
-          </a:p>
-          <a:p>
-            <a:pPr lvl="1"/>
-            <a:r>
-              <a:rPr lang="en-US" dirty="0"/>
-              <a:t>Optimism at the beginning of the year</a:t>
-            </a:r>
-          </a:p>
-        </p:txBody>
-      </p:sp>
-      <p:sp>
-        <p:nvSpPr>
-          <p:cNvPr id="4" name="Slide Number Placeholder 3"/>
-          <p:cNvSpPr>
-            <a:spLocks noGrp="1"/>
-          </p:cNvSpPr>
-          <p:nvPr>
-            <p:ph type="sldNum" sz="quarter" idx="10"/>
-          </p:nvPr>
-        </p:nvSpPr>
-        <p:spPr/>
-        <p:txBody>
-          <a:bodyPr/>
-          <a:lstStyle/>
-          <a:p>
-            <a:pPr>
-              <a:defRPr/>
-            </a:pPr>
-            <a:fld id="{8477AC55-169F-48BF-899E-DC616324E2CF}" type="slidenum">
-              <a:rPr lang="en-US" smtClean="0"/>
-              <a:pPr>
-                <a:defRPr/>
-              </a:pPr>
-              <a:t>6</a:t>
-            </a:fld>
-            <a:endParaRPr lang="en-US" dirty="0"/>
-          </a:p>
-        </p:txBody>
-      </p:sp>
-    </p:spTree>
-    <p:extLst>
-      <p:ext uri="{BB962C8B-B14F-4D97-AF65-F5344CB8AC3E}">
-        <p14:creationId xmlns:p14="http://schemas.microsoft.com/office/powerpoint/2010/main" val="2803649157"/>
-      </p:ext>
-    </p:extLst>
-  </p:cSld>
-  <p:clrMapOvr>
-    <a:masterClrMapping/>
-  </p:clrMapOvr>
-</p:sld>
-</file>
-
-<file path=ppt/slides/slide8.xml><?xml version="1.0" encoding="utf-8"?>
-<p:sld xmlns:a="http://schemas.openxmlformats.org/drawingml/2006/main" xmlns:r="http://schemas.openxmlformats.org/officeDocument/2006/relationships" xmlns:p="http://schemas.openxmlformats.org/presentationml/2006/main">
-  <p:cSld>
-    <p:spTree>
-      <p:nvGrpSpPr>
-        <p:cNvPr id="1" name=""/>
-        <p:cNvGrpSpPr/>
-        <p:nvPr/>
-      </p:nvGrpSpPr>
-      <p:grpSpPr>
-        <a:xfrm>
-          <a:off x="0" y="0"/>
-          <a:ext cx="0" cy="0"/>
-          <a:chOff x="0" y="0"/>
-          <a:chExt cx="0" cy="0"/>
-        </a:xfrm>
-      </p:grpSpPr>
-      <p:sp>
-        <p:nvSpPr>
-          <p:cNvPr id="2" name="Title 1"/>
-          <p:cNvSpPr>
-            <a:spLocks noGrp="1"/>
-          </p:cNvSpPr>
-          <p:nvPr>
-            <p:ph type="title"/>
-          </p:nvPr>
-        </p:nvSpPr>
-        <p:spPr/>
-        <p:txBody>
-          <a:bodyPr/>
-          <a:lstStyle/>
-          <a:p>
-            <a:pPr algn="l"/>
-            <a:r>
-              <a:rPr lang="en-US" dirty="0"/>
-              <a:t>Seasonality Conclusions by Sector</a:t>
-            </a:r>
-          </a:p>
-        </p:txBody>
-      </p:sp>
-      <p:sp>
-        <p:nvSpPr>
-          <p:cNvPr id="3" name="Content Placeholder 2"/>
-          <p:cNvSpPr>
-            <a:spLocks noGrp="1"/>
-          </p:cNvSpPr>
-          <p:nvPr>
-            <p:ph idx="1"/>
-          </p:nvPr>
-        </p:nvSpPr>
-        <p:spPr/>
-        <p:txBody>
-          <a:bodyPr/>
-          <a:lstStyle/>
-          <a:p>
-            <a:r>
-              <a:rPr lang="en-US" sz="2800" dirty="0"/>
-              <a:t>From November to April, Consumer Discretionary, Industrials, and Materials performed the best</a:t>
-            </a:r>
-          </a:p>
-          <a:p>
-            <a:pPr lvl="1"/>
-            <a:r>
-              <a:rPr lang="en-US" sz="2400" dirty="0"/>
-              <a:t>Consumer Discretionary - holiday shopping</a:t>
-            </a:r>
-          </a:p>
-          <a:p>
-            <a:pPr lvl="1"/>
-            <a:r>
-              <a:rPr lang="en-US" sz="2400" dirty="0"/>
-              <a:t>Industrials/Materials – corporate budgets are the highest at the beginning of the year for </a:t>
-            </a:r>
-            <a:r>
-              <a:rPr lang="en-US" sz="2400" dirty="0" err="1"/>
-              <a:t>capex</a:t>
-            </a:r>
-            <a:r>
-              <a:rPr lang="en-US" sz="2400" dirty="0"/>
-              <a:t> spending</a:t>
-            </a:r>
-          </a:p>
-          <a:p>
-            <a:r>
-              <a:rPr lang="en-US" sz="2800" dirty="0"/>
-              <a:t>From May to October, Consumer Staples and Healthcare performed the best</a:t>
-            </a:r>
-          </a:p>
-          <a:p>
-            <a:pPr lvl="1"/>
-            <a:r>
-              <a:rPr lang="en-US" sz="2400" dirty="0"/>
-              <a:t>Consumer Discretionary and Materials performed the worst</a:t>
-            </a:r>
-          </a:p>
-        </p:txBody>
-      </p:sp>
-      <p:sp>
-        <p:nvSpPr>
-          <p:cNvPr id="4" name="Slide Number Placeholder 3"/>
-          <p:cNvSpPr>
-            <a:spLocks noGrp="1"/>
-          </p:cNvSpPr>
-          <p:nvPr>
-            <p:ph type="sldNum" sz="quarter" idx="10"/>
-          </p:nvPr>
-        </p:nvSpPr>
-        <p:spPr/>
-        <p:txBody>
-          <a:bodyPr/>
-          <a:lstStyle/>
-          <a:p>
-            <a:pPr>
-              <a:defRPr/>
-            </a:pPr>
-            <a:fld id="{8477AC55-169F-48BF-899E-DC616324E2CF}" type="slidenum">
-              <a:rPr lang="en-US" smtClean="0"/>
-              <a:pPr>
-                <a:defRPr/>
-              </a:pPr>
-              <a:t>7</a:t>
-            </a:fld>
-            <a:endParaRPr lang="en-US" dirty="0"/>
-          </a:p>
-        </p:txBody>
-      </p:sp>
-    </p:spTree>
-    <p:extLst>
-      <p:ext uri="{BB962C8B-B14F-4D97-AF65-F5344CB8AC3E}">
-        <p14:creationId xmlns:p14="http://schemas.microsoft.com/office/powerpoint/2010/main" val="1968973586"/>
       </p:ext>
     </p:extLst>
   </p:cSld>

--- a/Portfolio Strategy Project.pptx
+++ b/Portfolio Strategy Project.pptx
@@ -5,10 +5,10 @@
     <p:sldMasterId id="2147483648" r:id="rId1"/>
   </p:sldMasterIdLst>
   <p:notesMasterIdLst>
-    <p:notesMasterId r:id="rId8"/>
+    <p:notesMasterId r:id="rId9"/>
   </p:notesMasterIdLst>
   <p:handoutMasterIdLst>
-    <p:handoutMasterId r:id="rId9"/>
+    <p:handoutMasterId r:id="rId10"/>
   </p:handoutMasterIdLst>
   <p:sldIdLst>
     <p:sldId id="256" r:id="rId2"/>
@@ -17,13 +17,14 @@
     <p:sldId id="282" r:id="rId5"/>
     <p:sldId id="272" r:id="rId6"/>
     <p:sldId id="288" r:id="rId7"/>
+    <p:sldId id="289" r:id="rId8"/>
   </p:sldIdLst>
   <p:sldSz cx="9144000" cy="6858000" type="screen4x3"/>
   <p:notesSz cx="7010400" cy="9296400"/>
   <p:embeddedFontLst>
     <p:embeddedFont>
       <p:font typeface="Arial Black" panose="020B0604020202020204" pitchFamily="34" charset="0"/>
-      <p:bold r:id="rId10"/>
+      <p:bold r:id="rId11"/>
     </p:embeddedFont>
   </p:embeddedFontLst>
   <p:defaultTextStyle>
@@ -5242,6 +5243,151 @@
     <p:extLst>
       <p:ext uri="{BB962C8B-B14F-4D97-AF65-F5344CB8AC3E}">
         <p14:creationId xmlns:p14="http://schemas.microsoft.com/office/powerpoint/2010/main" val="2294092593"/>
+      </p:ext>
+    </p:extLst>
+  </p:cSld>
+  <p:clrMapOvr>
+    <a:masterClrMapping/>
+  </p:clrMapOvr>
+</p:sld>
+</file>
+
+<file path=ppt/slides/slide7.xml><?xml version="1.0" encoding="utf-8"?>
+<p:sld xmlns:a="http://schemas.openxmlformats.org/drawingml/2006/main" xmlns:r="http://schemas.openxmlformats.org/officeDocument/2006/relationships" xmlns:p="http://schemas.openxmlformats.org/presentationml/2006/main">
+  <p:cSld>
+    <p:spTree>
+      <p:nvGrpSpPr>
+        <p:cNvPr id="1" name=""/>
+        <p:cNvGrpSpPr/>
+        <p:nvPr/>
+      </p:nvGrpSpPr>
+      <p:grpSpPr>
+        <a:xfrm>
+          <a:off x="0" y="0"/>
+          <a:ext cx="0" cy="0"/>
+          <a:chOff x="0" y="0"/>
+          <a:chExt cx="0" cy="0"/>
+        </a:xfrm>
+      </p:grpSpPr>
+      <p:sp>
+        <p:nvSpPr>
+          <p:cNvPr id="2" name="Title 1"/>
+          <p:cNvSpPr>
+            <a:spLocks noGrp="1"/>
+          </p:cNvSpPr>
+          <p:nvPr>
+            <p:ph type="title"/>
+          </p:nvPr>
+        </p:nvSpPr>
+        <p:spPr/>
+        <p:txBody>
+          <a:bodyPr/>
+          <a:lstStyle/>
+          <a:p>
+            <a:pPr algn="l"/>
+            <a:r>
+              <a:rPr lang="en-US" dirty="0"/>
+              <a:t>Model Assumption</a:t>
+            </a:r>
+          </a:p>
+        </p:txBody>
+      </p:sp>
+      <p:sp>
+        <p:nvSpPr>
+          <p:cNvPr id="3" name="Content Placeholder 2"/>
+          <p:cNvSpPr>
+            <a:spLocks noGrp="1"/>
+          </p:cNvSpPr>
+          <p:nvPr>
+            <p:ph idx="1"/>
+          </p:nvPr>
+        </p:nvSpPr>
+        <p:spPr/>
+        <p:txBody>
+          <a:bodyPr/>
+          <a:lstStyle/>
+          <a:p>
+            <a:r>
+              <a:rPr lang="en-US" dirty="0"/>
+              <a:t>For the purpose of simplicity we are focusing only on the effects of time and not taking into account any other external factors such as</a:t>
+            </a:r>
+          </a:p>
+          <a:p>
+            <a:pPr lvl="1"/>
+            <a:r>
+              <a:rPr lang="en-US" dirty="0"/>
+              <a:t>Stock splits do not dilute returns</a:t>
+            </a:r>
+          </a:p>
+          <a:p>
+            <a:pPr lvl="1"/>
+            <a:r>
+              <a:rPr lang="en-US" dirty="0"/>
+              <a:t>Companies switching or being added to index has no effect (within S&amp;P)</a:t>
+            </a:r>
+          </a:p>
+          <a:p>
+            <a:pPr lvl="1"/>
+            <a:r>
+              <a:rPr lang="en-US" dirty="0"/>
+              <a:t>Dividend reinvesting is unaccounted for vs simple price appreciation</a:t>
+            </a:r>
+          </a:p>
+          <a:p>
+            <a:pPr lvl="1"/>
+            <a:r>
+              <a:rPr lang="en-US" dirty="0"/>
+              <a:t>Opening Price of 1</a:t>
+            </a:r>
+            <a:r>
+              <a:rPr lang="en-US" baseline="30000" dirty="0"/>
+              <a:t>st</a:t>
+            </a:r>
+            <a:r>
+              <a:rPr lang="en-US" dirty="0"/>
+              <a:t> day of ‘next month’ equals Closing Price of the last day of </a:t>
+            </a:r>
+            <a:r>
+              <a:rPr lang="en-US"/>
+              <a:t>the ‘previous month’</a:t>
+            </a:r>
+            <a:endParaRPr lang="en-US" dirty="0"/>
+          </a:p>
+        </p:txBody>
+      </p:sp>
+      <p:sp>
+        <p:nvSpPr>
+          <p:cNvPr id="4" name="Slide Number Placeholder 3"/>
+          <p:cNvSpPr>
+            <a:spLocks noGrp="1"/>
+          </p:cNvSpPr>
+          <p:nvPr>
+            <p:ph type="sldNum" sz="quarter" idx="10"/>
+          </p:nvPr>
+        </p:nvSpPr>
+        <p:spPr/>
+        <p:txBody>
+          <a:bodyPr/>
+          <a:lstStyle/>
+          <a:p>
+            <a:pPr>
+              <a:defRPr/>
+            </a:pPr>
+            <a:fld id="{8477AC55-169F-48BF-899E-DC616324E2CF}" type="slidenum">
+              <a:rPr lang="en-US" smtClean="0"/>
+              <a:pPr>
+                <a:defRPr/>
+              </a:pPr>
+              <a:t>6</a:t>
+            </a:fld>
+            <a:endParaRPr lang="en-US" dirty="0"/>
+          </a:p>
+        </p:txBody>
+      </p:sp>
+    </p:spTree>
+    <p:extLst>
+      <p:ext uri="{BB962C8B-B14F-4D97-AF65-F5344CB8AC3E}">
+        <p14:creationId xmlns:p14="http://schemas.microsoft.com/office/powerpoint/2010/main" val="1843543731"/>
       </p:ext>
     </p:extLst>
   </p:cSld>

--- a/Portfolio Strategy Project.pptx
+++ b/Portfolio Strategy Project.pptx
@@ -13,9 +13,9 @@
   <p:sldIdLst>
     <p:sldId id="256" r:id="rId2"/>
     <p:sldId id="286" r:id="rId3"/>
-    <p:sldId id="287" r:id="rId4"/>
-    <p:sldId id="282" r:id="rId5"/>
-    <p:sldId id="272" r:id="rId6"/>
+    <p:sldId id="282" r:id="rId4"/>
+    <p:sldId id="272" r:id="rId5"/>
+    <p:sldId id="291" r:id="rId6"/>
     <p:sldId id="288" r:id="rId7"/>
     <p:sldId id="289" r:id="rId8"/>
   </p:sldIdLst>
@@ -4321,62 +4321,6 @@
           </a:p>
         </p:txBody>
       </p:sp>
-      <p:pic>
-        <p:nvPicPr>
-          <p:cNvPr id="1026" name="Picture 2"/>
-          <p:cNvPicPr>
-            <a:picLocks noGrp="1" noChangeAspect="1" noChangeArrowheads="1"/>
-          </p:cNvPicPr>
-          <p:nvPr>
-            <p:ph idx="1"/>
-          </p:nvPr>
-        </p:nvPicPr>
-        <p:blipFill>
-          <a:blip r:embed="rId2">
-            <a:extLst>
-              <a:ext uri="{28A0092B-C50C-407E-A947-70E740481C1C}">
-                <a14:useLocalDpi xmlns:a14="http://schemas.microsoft.com/office/drawing/2010/main" val="0"/>
-              </a:ext>
-            </a:extLst>
-          </a:blip>
-          <a:srcRect/>
-          <a:stretch>
-            <a:fillRect/>
-          </a:stretch>
-        </p:blipFill>
-        <p:spPr bwMode="auto">
-          <a:xfrm>
-            <a:off x="1634110" y="1860492"/>
-            <a:ext cx="5875779" cy="4396048"/>
-          </a:xfrm>
-          <a:prstGeom prst="rect">
-            <a:avLst/>
-          </a:prstGeom>
-          <a:noFill/>
-          <a:ln>
-            <a:noFill/>
-          </a:ln>
-          <a:extLst>
-            <a:ext uri="{909E8E84-426E-40DD-AFC4-6F175D3DCCD1}">
-              <a14:hiddenFill xmlns:a14="http://schemas.microsoft.com/office/drawing/2010/main">
-                <a:solidFill>
-                  <a:schemeClr val="accent1"/>
-                </a:solidFill>
-              </a14:hiddenFill>
-            </a:ext>
-            <a:ext uri="{91240B29-F687-4F45-9708-019B960494DF}">
-              <a14:hiddenLine xmlns:a14="http://schemas.microsoft.com/office/drawing/2010/main" w="9525">
-                <a:solidFill>
-                  <a:schemeClr val="tx1"/>
-                </a:solidFill>
-                <a:miter lim="800000"/>
-                <a:headEnd/>
-                <a:tailEnd/>
-              </a14:hiddenLine>
-            </a:ext>
-          </a:extLst>
-        </p:spPr>
-      </p:pic>
       <p:sp>
         <p:nvSpPr>
           <p:cNvPr id="5" name="TextBox 4"/>
@@ -4410,6 +4354,42 @@
           </a:p>
         </p:txBody>
       </p:sp>
+      <p:pic>
+        <p:nvPicPr>
+          <p:cNvPr id="7" name="Picture 6">
+            <a:extLst>
+              <a:ext uri="{FF2B5EF4-FFF2-40B4-BE49-F238E27FC236}">
+                <a16:creationId xmlns:a16="http://schemas.microsoft.com/office/drawing/2014/main" id="{93E30483-7B07-8544-B732-6C8E276500AB}"/>
+              </a:ext>
+            </a:extLst>
+          </p:cNvPr>
+          <p:cNvPicPr>
+            <a:picLocks noChangeAspect="1"/>
+          </p:cNvPicPr>
+          <p:nvPr/>
+        </p:nvPicPr>
+        <p:blipFill>
+          <a:blip r:embed="rId2">
+            <a:extLst>
+              <a:ext uri="{28A0092B-C50C-407E-A947-70E740481C1C}">
+                <a14:useLocalDpi xmlns:a14="http://schemas.microsoft.com/office/drawing/2010/main" val="0"/>
+              </a:ext>
+            </a:extLst>
+          </a:blip>
+          <a:stretch>
+            <a:fillRect/>
+          </a:stretch>
+        </p:blipFill>
+        <p:spPr>
+          <a:xfrm>
+            <a:off x="1565450" y="1816100"/>
+            <a:ext cx="6683350" cy="4432300"/>
+          </a:xfrm>
+          <a:prstGeom prst="rect">
+            <a:avLst/>
+          </a:prstGeom>
+        </p:spPr>
+      </p:pic>
     </p:spTree>
     <p:extLst>
       <p:ext uri="{BB962C8B-B14F-4D97-AF65-F5344CB8AC3E}">
@@ -4424,110 +4404,6 @@
 </file>
 
 <file path=ppt/slides/slide3.xml><?xml version="1.0" encoding="utf-8"?>
-<p:sld xmlns:a="http://schemas.openxmlformats.org/drawingml/2006/main" xmlns:r="http://schemas.openxmlformats.org/officeDocument/2006/relationships" xmlns:p="http://schemas.openxmlformats.org/presentationml/2006/main">
-  <p:cSld>
-    <p:spTree>
-      <p:nvGrpSpPr>
-        <p:cNvPr id="1" name=""/>
-        <p:cNvGrpSpPr/>
-        <p:nvPr/>
-      </p:nvGrpSpPr>
-      <p:grpSpPr>
-        <a:xfrm>
-          <a:off x="0" y="0"/>
-          <a:ext cx="0" cy="0"/>
-          <a:chOff x="0" y="0"/>
-          <a:chExt cx="0" cy="0"/>
-        </a:xfrm>
-      </p:grpSpPr>
-      <p:sp>
-        <p:nvSpPr>
-          <p:cNvPr id="2" name="Title 1"/>
-          <p:cNvSpPr>
-            <a:spLocks noGrp="1"/>
-          </p:cNvSpPr>
-          <p:nvPr>
-            <p:ph type="title"/>
-          </p:nvPr>
-        </p:nvSpPr>
-        <p:spPr/>
-        <p:txBody>
-          <a:bodyPr/>
-          <a:lstStyle/>
-          <a:p>
-            <a:pPr algn="l"/>
-            <a:r>
-              <a:rPr lang="en-US" dirty="0"/>
-              <a:t>Seeking Alpha: Overview of Returns</a:t>
-            </a:r>
-          </a:p>
-        </p:txBody>
-      </p:sp>
-      <p:sp>
-        <p:nvSpPr>
-          <p:cNvPr id="3" name="Content Placeholder 2"/>
-          <p:cNvSpPr>
-            <a:spLocks noGrp="1"/>
-          </p:cNvSpPr>
-          <p:nvPr>
-            <p:ph idx="1"/>
-          </p:nvPr>
-        </p:nvSpPr>
-        <p:spPr/>
-        <p:txBody>
-          <a:bodyPr/>
-          <a:lstStyle/>
-          <a:p>
-            <a:pPr marL="0" indent="0">
-              <a:buNone/>
-            </a:pPr>
-            <a:endParaRPr lang="en-US" dirty="0"/>
-          </a:p>
-        </p:txBody>
-      </p:sp>
-      <p:sp>
-        <p:nvSpPr>
-          <p:cNvPr id="4" name="Slide Number Placeholder 3"/>
-          <p:cNvSpPr>
-            <a:spLocks noGrp="1"/>
-          </p:cNvSpPr>
-          <p:nvPr>
-            <p:ph type="sldNum" sz="quarter" idx="10"/>
-          </p:nvPr>
-        </p:nvSpPr>
-        <p:spPr/>
-        <p:txBody>
-          <a:bodyPr/>
-          <a:lstStyle/>
-          <a:p>
-            <a:pPr>
-              <a:defRPr/>
-            </a:pPr>
-            <a:fld id="{8477AC55-169F-48BF-899E-DC616324E2CF}" type="slidenum">
-              <a:rPr lang="en-US" smtClean="0"/>
-              <a:pPr>
-                <a:defRPr/>
-              </a:pPr>
-              <a:t>2</a:t>
-            </a:fld>
-            <a:endParaRPr lang="en-US" dirty="0"/>
-          </a:p>
-        </p:txBody>
-      </p:sp>
-    </p:spTree>
-    <p:extLst>
-      <p:ext uri="{BB962C8B-B14F-4D97-AF65-F5344CB8AC3E}">
-        <p14:creationId xmlns:p14="http://schemas.microsoft.com/office/powerpoint/2010/main" val="566820952"/>
-      </p:ext>
-    </p:extLst>
-  </p:cSld>
-  <p:clrMapOvr>
-    <a:masterClrMapping/>
-  </p:clrMapOvr>
-</p:sld>
-</file>
-
-<file path=ppt/slides/slide4.xml><?xml version="1.0" encoding="utf-8"?>
 <p:sld xmlns:a="http://schemas.openxmlformats.org/drawingml/2006/main" xmlns:r="http://schemas.openxmlformats.org/officeDocument/2006/relationships" xmlns:p="http://schemas.openxmlformats.org/presentationml/2006/main">
   <p:cSld>
     <p:spTree>
@@ -4791,6 +4667,42 @@
           </a:p>
         </p:txBody>
       </p:sp>
+      <p:pic>
+        <p:nvPicPr>
+          <p:cNvPr id="4" name="Picture 3">
+            <a:extLst>
+              <a:ext uri="{FF2B5EF4-FFF2-40B4-BE49-F238E27FC236}">
+                <a16:creationId xmlns:a16="http://schemas.microsoft.com/office/drawing/2014/main" id="{A1C41500-5BF9-F542-BABA-6F1E514A6552}"/>
+              </a:ext>
+            </a:extLst>
+          </p:cNvPr>
+          <p:cNvPicPr>
+            <a:picLocks noChangeAspect="1"/>
+          </p:cNvPicPr>
+          <p:nvPr/>
+        </p:nvPicPr>
+        <p:blipFill>
+          <a:blip r:embed="rId2">
+            <a:extLst>
+              <a:ext uri="{28A0092B-C50C-407E-A947-70E740481C1C}">
+                <a14:useLocalDpi xmlns:a14="http://schemas.microsoft.com/office/drawing/2010/main" val="0"/>
+              </a:ext>
+            </a:extLst>
+          </a:blip>
+          <a:stretch>
+            <a:fillRect/>
+          </a:stretch>
+        </p:blipFill>
+        <p:spPr>
+          <a:xfrm>
+            <a:off x="495300" y="2590800"/>
+            <a:ext cx="7937500" cy="3670300"/>
+          </a:xfrm>
+          <a:prstGeom prst="rect">
+            <a:avLst/>
+          </a:prstGeom>
+        </p:spPr>
+      </p:pic>
     </p:spTree>
     <p:extLst>
       <p:ext uri="{BB962C8B-B14F-4D97-AF65-F5344CB8AC3E}">
@@ -4804,7 +4716,7 @@
 </p:sld>
 </file>
 
-<file path=ppt/slides/slide5.xml><?xml version="1.0" encoding="utf-8"?>
+<file path=ppt/slides/slide4.xml><?xml version="1.0" encoding="utf-8"?>
 <p:sld xmlns:a="http://schemas.openxmlformats.org/drawingml/2006/main" xmlns:r="http://schemas.openxmlformats.org/officeDocument/2006/relationships" xmlns:p="http://schemas.openxmlformats.org/presentationml/2006/main">
   <p:cSld>
     <p:spTree>
@@ -5072,10 +4984,351 @@
           </a:p>
         </p:txBody>
       </p:sp>
+      <p:pic>
+        <p:nvPicPr>
+          <p:cNvPr id="4" name="Picture 3">
+            <a:extLst>
+              <a:ext uri="{FF2B5EF4-FFF2-40B4-BE49-F238E27FC236}">
+                <a16:creationId xmlns:a16="http://schemas.microsoft.com/office/drawing/2014/main" id="{25F25CB8-5755-4044-B3D5-852F898F13EA}"/>
+              </a:ext>
+            </a:extLst>
+          </p:cNvPr>
+          <p:cNvPicPr>
+            <a:picLocks noChangeAspect="1"/>
+          </p:cNvPicPr>
+          <p:nvPr/>
+        </p:nvPicPr>
+        <p:blipFill>
+          <a:blip r:embed="rId2">
+            <a:extLst>
+              <a:ext uri="{28A0092B-C50C-407E-A947-70E740481C1C}">
+                <a14:useLocalDpi xmlns:a14="http://schemas.microsoft.com/office/drawing/2010/main" val="0"/>
+              </a:ext>
+            </a:extLst>
+          </a:blip>
+          <a:stretch>
+            <a:fillRect/>
+          </a:stretch>
+        </p:blipFill>
+        <p:spPr>
+          <a:xfrm>
+            <a:off x="38100" y="2514600"/>
+            <a:ext cx="9144000" cy="3951449"/>
+          </a:xfrm>
+          <a:prstGeom prst="rect">
+            <a:avLst/>
+          </a:prstGeom>
+        </p:spPr>
+      </p:pic>
     </p:spTree>
     <p:extLst>
       <p:ext uri="{BB962C8B-B14F-4D97-AF65-F5344CB8AC3E}">
         <p14:creationId xmlns:p14="http://schemas.microsoft.com/office/powerpoint/2010/main" val="3704355971"/>
+      </p:ext>
+    </p:extLst>
+  </p:cSld>
+  <p:clrMapOvr>
+    <a:masterClrMapping/>
+  </p:clrMapOvr>
+</p:sld>
+</file>
+
+<file path=ppt/slides/slide5.xml><?xml version="1.0" encoding="utf-8"?>
+<p:sld xmlns:a="http://schemas.openxmlformats.org/drawingml/2006/main" xmlns:r="http://schemas.openxmlformats.org/officeDocument/2006/relationships" xmlns:p="http://schemas.openxmlformats.org/presentationml/2006/main">
+  <p:cSld>
+    <p:spTree>
+      <p:nvGrpSpPr>
+        <p:cNvPr id="1" name=""/>
+        <p:cNvGrpSpPr/>
+        <p:nvPr/>
+      </p:nvGrpSpPr>
+      <p:grpSpPr>
+        <a:xfrm>
+          <a:off x="0" y="0"/>
+          <a:ext cx="0" cy="0"/>
+          <a:chOff x="0" y="0"/>
+          <a:chExt cx="0" cy="0"/>
+        </a:xfrm>
+      </p:grpSpPr>
+      <p:sp>
+        <p:nvSpPr>
+          <p:cNvPr id="2" name="Title 1"/>
+          <p:cNvSpPr>
+            <a:spLocks noGrp="1"/>
+          </p:cNvSpPr>
+          <p:nvPr>
+            <p:ph type="title"/>
+          </p:nvPr>
+        </p:nvSpPr>
+        <p:spPr/>
+        <p:txBody>
+          <a:bodyPr>
+            <a:normAutofit/>
+          </a:bodyPr>
+          <a:lstStyle/>
+          <a:p>
+            <a:pPr algn="l"/>
+            <a:r>
+              <a:rPr lang="en-US" sz="2800" dirty="0"/>
+              <a:t>Highest Performing Months Compared to Lowest Performing</a:t>
+            </a:r>
+          </a:p>
+        </p:txBody>
+      </p:sp>
+      <p:sp>
+        <p:nvSpPr>
+          <p:cNvPr id="6" name="Title 1">
+            <a:extLst>
+              <a:ext uri="{FF2B5EF4-FFF2-40B4-BE49-F238E27FC236}">
+                <a16:creationId xmlns:a16="http://schemas.microsoft.com/office/drawing/2014/main" id="{6D7F4553-3269-2C42-A862-F53947A229D2}"/>
+              </a:ext>
+            </a:extLst>
+          </p:cNvPr>
+          <p:cNvSpPr txBox="1">
+            <a:spLocks/>
+          </p:cNvSpPr>
+          <p:nvPr/>
+        </p:nvSpPr>
+        <p:spPr bwMode="auto">
+          <a:xfrm>
+            <a:off x="457200" y="1036834"/>
+            <a:ext cx="8229600" cy="1066800"/>
+          </a:xfrm>
+          <a:prstGeom prst="rect">
+            <a:avLst/>
+          </a:prstGeom>
+          <a:noFill/>
+          <a:ln w="9525">
+            <a:noFill/>
+            <a:miter lim="800000"/>
+            <a:headEnd/>
+            <a:tailEnd/>
+          </a:ln>
+          <a:effectLst>
+            <a:outerShdw blurRad="50800" dist="38100" dir="5400000" algn="t" rotWithShape="0">
+              <a:prstClr val="black">
+                <a:alpha val="40000"/>
+              </a:prstClr>
+            </a:outerShdw>
+          </a:effectLst>
+        </p:spPr>
+        <p:txBody>
+          <a:bodyPr vert="horz" wrap="square" lIns="91440" tIns="45720" rIns="91440" bIns="45720" numCol="1" anchor="ctr" anchorCtr="0" compatLnSpc="1">
+            <a:prstTxWarp prst="textNoShape">
+              <a:avLst/>
+            </a:prstTxWarp>
+            <a:normAutofit/>
+          </a:bodyPr>
+          <a:lstStyle>
+            <a:lvl1pPr algn="ctr" rtl="0" eaLnBrk="0" fontAlgn="base" hangingPunct="0">
+              <a:spcBef>
+                <a:spcPct val="0"/>
+              </a:spcBef>
+              <a:spcAft>
+                <a:spcPct val="0"/>
+              </a:spcAft>
+              <a:defRPr sz="3200" b="1" cap="none" spc="0">
+                <a:ln w="18415" cmpd="sng">
+                  <a:solidFill>
+                    <a:srgbClr val="FFFFFF"/>
+                  </a:solidFill>
+                  <a:prstDash val="solid"/>
+                </a:ln>
+                <a:solidFill>
+                  <a:srgbClr val="FFFFFF"/>
+                </a:solidFill>
+                <a:effectLst>
+                  <a:outerShdw blurRad="63500" dir="3600000" algn="tl" rotWithShape="0">
+                    <a:srgbClr val="000000">
+                      <a:alpha val="70000"/>
+                    </a:srgbClr>
+                  </a:outerShdw>
+                </a:effectLst>
+                <a:latin typeface="+mj-lt"/>
+                <a:ea typeface="+mj-ea"/>
+                <a:cs typeface="+mj-cs"/>
+              </a:defRPr>
+            </a:lvl1pPr>
+            <a:lvl2pPr algn="ctr" rtl="0" eaLnBrk="0" fontAlgn="base" hangingPunct="0">
+              <a:spcBef>
+                <a:spcPct val="0"/>
+              </a:spcBef>
+              <a:spcAft>
+                <a:spcPct val="0"/>
+              </a:spcAft>
+              <a:defRPr sz="3600">
+                <a:solidFill>
+                  <a:schemeClr val="bg1"/>
+                </a:solidFill>
+                <a:latin typeface="Arial Black" pitchFamily="34" charset="0"/>
+                <a:cs typeface="Arial" charset="0"/>
+              </a:defRPr>
+            </a:lvl2pPr>
+            <a:lvl3pPr algn="ctr" rtl="0" eaLnBrk="0" fontAlgn="base" hangingPunct="0">
+              <a:spcBef>
+                <a:spcPct val="0"/>
+              </a:spcBef>
+              <a:spcAft>
+                <a:spcPct val="0"/>
+              </a:spcAft>
+              <a:defRPr sz="3600">
+                <a:solidFill>
+                  <a:schemeClr val="bg1"/>
+                </a:solidFill>
+                <a:latin typeface="Arial Black" pitchFamily="34" charset="0"/>
+                <a:cs typeface="Arial" charset="0"/>
+              </a:defRPr>
+            </a:lvl3pPr>
+            <a:lvl4pPr algn="ctr" rtl="0" eaLnBrk="0" fontAlgn="base" hangingPunct="0">
+              <a:spcBef>
+                <a:spcPct val="0"/>
+              </a:spcBef>
+              <a:spcAft>
+                <a:spcPct val="0"/>
+              </a:spcAft>
+              <a:defRPr sz="3600">
+                <a:solidFill>
+                  <a:schemeClr val="bg1"/>
+                </a:solidFill>
+                <a:latin typeface="Arial Black" pitchFamily="34" charset="0"/>
+                <a:cs typeface="Arial" charset="0"/>
+              </a:defRPr>
+            </a:lvl4pPr>
+            <a:lvl5pPr algn="ctr" rtl="0" eaLnBrk="0" fontAlgn="base" hangingPunct="0">
+              <a:spcBef>
+                <a:spcPct val="0"/>
+              </a:spcBef>
+              <a:spcAft>
+                <a:spcPct val="0"/>
+              </a:spcAft>
+              <a:defRPr sz="3600">
+                <a:solidFill>
+                  <a:schemeClr val="bg1"/>
+                </a:solidFill>
+                <a:latin typeface="Arial Black" pitchFamily="34" charset="0"/>
+                <a:cs typeface="Arial" charset="0"/>
+              </a:defRPr>
+            </a:lvl5pPr>
+            <a:lvl6pPr marL="457200" algn="ctr" rtl="0" fontAlgn="base">
+              <a:spcBef>
+                <a:spcPct val="0"/>
+              </a:spcBef>
+              <a:spcAft>
+                <a:spcPct val="0"/>
+              </a:spcAft>
+              <a:defRPr sz="3600">
+                <a:solidFill>
+                  <a:schemeClr val="bg1"/>
+                </a:solidFill>
+                <a:latin typeface="Arial Black" pitchFamily="34" charset="0"/>
+                <a:cs typeface="Arial" charset="0"/>
+              </a:defRPr>
+            </a:lvl6pPr>
+            <a:lvl7pPr marL="914400" algn="ctr" rtl="0" fontAlgn="base">
+              <a:spcBef>
+                <a:spcPct val="0"/>
+              </a:spcBef>
+              <a:spcAft>
+                <a:spcPct val="0"/>
+              </a:spcAft>
+              <a:defRPr sz="3600">
+                <a:solidFill>
+                  <a:schemeClr val="bg1"/>
+                </a:solidFill>
+                <a:latin typeface="Arial Black" pitchFamily="34" charset="0"/>
+                <a:cs typeface="Arial" charset="0"/>
+              </a:defRPr>
+            </a:lvl7pPr>
+            <a:lvl8pPr marL="1371600" algn="ctr" rtl="0" fontAlgn="base">
+              <a:spcBef>
+                <a:spcPct val="0"/>
+              </a:spcBef>
+              <a:spcAft>
+                <a:spcPct val="0"/>
+              </a:spcAft>
+              <a:defRPr sz="3600">
+                <a:solidFill>
+                  <a:schemeClr val="bg1"/>
+                </a:solidFill>
+                <a:latin typeface="Arial Black" pitchFamily="34" charset="0"/>
+                <a:cs typeface="Arial" charset="0"/>
+              </a:defRPr>
+            </a:lvl8pPr>
+            <a:lvl9pPr marL="1828800" algn="ctr" rtl="0" fontAlgn="base">
+              <a:spcBef>
+                <a:spcPct val="0"/>
+              </a:spcBef>
+              <a:spcAft>
+                <a:spcPct val="0"/>
+              </a:spcAft>
+              <a:defRPr sz="3600">
+                <a:solidFill>
+                  <a:schemeClr val="bg1"/>
+                </a:solidFill>
+                <a:latin typeface="Arial Black" pitchFamily="34" charset="0"/>
+                <a:cs typeface="Arial" charset="0"/>
+              </a:defRPr>
+            </a:lvl9pPr>
+          </a:lstStyle>
+          <a:p>
+            <a:pPr>
+              <a:defRPr sz="1800" b="1" i="0" u="none" strike="noStrike" kern="1200" baseline="0">
+                <a:solidFill>
+                  <a:srgbClr val="FFFFFF"/>
+                </a:solidFill>
+                <a:latin typeface="+mn-lt"/>
+                <a:ea typeface="+mn-ea"/>
+                <a:cs typeface="+mn-cs"/>
+              </a:defRPr>
+            </a:pPr>
+            <a:endParaRPr lang="en-US" dirty="0">
+              <a:solidFill>
+                <a:srgbClr val="FFFF00"/>
+              </a:solidFill>
+            </a:endParaRPr>
+          </a:p>
+        </p:txBody>
+      </p:sp>
+      <p:pic>
+        <p:nvPicPr>
+          <p:cNvPr id="5" name="Picture 4">
+            <a:extLst>
+              <a:ext uri="{FF2B5EF4-FFF2-40B4-BE49-F238E27FC236}">
+                <a16:creationId xmlns:a16="http://schemas.microsoft.com/office/drawing/2014/main" id="{F55B8FDD-121E-1E47-BF4E-C603C30DEF5D}"/>
+              </a:ext>
+            </a:extLst>
+          </p:cNvPr>
+          <p:cNvPicPr>
+            <a:picLocks noChangeAspect="1"/>
+          </p:cNvPicPr>
+          <p:nvPr/>
+        </p:nvPicPr>
+        <p:blipFill>
+          <a:blip r:embed="rId2">
+            <a:extLst>
+              <a:ext uri="{28A0092B-C50C-407E-A947-70E740481C1C}">
+                <a14:useLocalDpi xmlns:a14="http://schemas.microsoft.com/office/drawing/2010/main" val="0"/>
+              </a:ext>
+            </a:extLst>
+          </a:blip>
+          <a:stretch>
+            <a:fillRect/>
+          </a:stretch>
+        </p:blipFill>
+        <p:spPr>
+          <a:xfrm>
+            <a:off x="114300" y="2362200"/>
+            <a:ext cx="8915400" cy="3893266"/>
+          </a:xfrm>
+          <a:prstGeom prst="rect">
+            <a:avLst/>
+          </a:prstGeom>
+        </p:spPr>
+      </p:pic>
+    </p:spTree>
+    <p:extLst>
+      <p:ext uri="{BB962C8B-B14F-4D97-AF65-F5344CB8AC3E}">
+        <p14:creationId xmlns:p14="http://schemas.microsoft.com/office/powerpoint/2010/main" val="2501597143"/>
       </p:ext>
     </p:extLst>
   </p:cSld>

--- a/Portfolio Strategy Project.pptx
+++ b/Portfolio Strategy Project.pptx
@@ -5,26 +5,27 @@
     <p:sldMasterId id="2147483648" r:id="rId1"/>
   </p:sldMasterIdLst>
   <p:notesMasterIdLst>
-    <p:notesMasterId r:id="rId9"/>
+    <p:notesMasterId r:id="rId10"/>
   </p:notesMasterIdLst>
   <p:handoutMasterIdLst>
-    <p:handoutMasterId r:id="rId10"/>
+    <p:handoutMasterId r:id="rId11"/>
   </p:handoutMasterIdLst>
   <p:sldIdLst>
     <p:sldId id="256" r:id="rId2"/>
-    <p:sldId id="286" r:id="rId3"/>
-    <p:sldId id="282" r:id="rId4"/>
-    <p:sldId id="272" r:id="rId5"/>
-    <p:sldId id="291" r:id="rId6"/>
-    <p:sldId id="288" r:id="rId7"/>
-    <p:sldId id="289" r:id="rId8"/>
+    <p:sldId id="292" r:id="rId3"/>
+    <p:sldId id="286" r:id="rId4"/>
+    <p:sldId id="282" r:id="rId5"/>
+    <p:sldId id="272" r:id="rId6"/>
+    <p:sldId id="291" r:id="rId7"/>
+    <p:sldId id="288" r:id="rId8"/>
+    <p:sldId id="289" r:id="rId9"/>
   </p:sldIdLst>
   <p:sldSz cx="9144000" cy="6858000" type="screen4x3"/>
   <p:notesSz cx="7010400" cy="9296400"/>
   <p:embeddedFontLst>
     <p:embeddedFont>
       <p:font typeface="Arial Black" panose="020B0604020202020204" pitchFamily="34" charset="0"/>
-      <p:bold r:id="rId11"/>
+      <p:bold r:id="rId12"/>
     </p:embeddedFont>
   </p:embeddedFontLst>
   <p:defaultTextStyle>
@@ -4316,7 +4317,7 @@
             <a:pPr algn="l"/>
             <a:r>
               <a:rPr lang="en-US" sz="2800" dirty="0"/>
-              <a:t>Seasonality of Returns</a:t>
+              <a:t>S&amp;P 500 Market Trend</a:t>
             </a:r>
           </a:p>
         </p:txBody>
@@ -4349,7 +4350,131 @@
                   <a:schemeClr val="bg1"/>
                 </a:solidFill>
               </a:rPr>
-              <a:t>Can you really buy low and sell high? Maybe it depends on the season.</a:t>
+              <a:t>Can you really buy low and sell high? </a:t>
+            </a:r>
+          </a:p>
+        </p:txBody>
+      </p:sp>
+      <p:pic>
+        <p:nvPicPr>
+          <p:cNvPr id="4" name="Picture 3" descr="A screenshot of a cell phone&#13;&#10;&#13;&#10;Description automatically generated">
+            <a:extLst>
+              <a:ext uri="{FF2B5EF4-FFF2-40B4-BE49-F238E27FC236}">
+                <a16:creationId xmlns:a16="http://schemas.microsoft.com/office/drawing/2014/main" id="{63395868-3BEA-2041-8688-22394495C644}"/>
+              </a:ext>
+            </a:extLst>
+          </p:cNvPr>
+          <p:cNvPicPr>
+            <a:picLocks noChangeAspect="1"/>
+          </p:cNvPicPr>
+          <p:nvPr/>
+        </p:nvPicPr>
+        <p:blipFill>
+          <a:blip r:embed="rId2">
+            <a:extLst>
+              <a:ext uri="{28A0092B-C50C-407E-A947-70E740481C1C}">
+                <a14:useLocalDpi xmlns:a14="http://schemas.microsoft.com/office/drawing/2010/main" val="0"/>
+              </a:ext>
+            </a:extLst>
+          </a:blip>
+          <a:stretch>
+            <a:fillRect/>
+          </a:stretch>
+        </p:blipFill>
+        <p:spPr>
+          <a:xfrm>
+            <a:off x="685800" y="1802590"/>
+            <a:ext cx="7410450" cy="4766346"/>
+          </a:xfrm>
+          <a:prstGeom prst="rect">
+            <a:avLst/>
+          </a:prstGeom>
+        </p:spPr>
+      </p:pic>
+    </p:spTree>
+    <p:extLst>
+      <p:ext uri="{BB962C8B-B14F-4D97-AF65-F5344CB8AC3E}">
+        <p14:creationId xmlns:p14="http://schemas.microsoft.com/office/powerpoint/2010/main" val="3815194748"/>
+      </p:ext>
+    </p:extLst>
+  </p:cSld>
+  <p:clrMapOvr>
+    <a:masterClrMapping/>
+  </p:clrMapOvr>
+</p:sld>
+</file>
+
+<file path=ppt/slides/slide3.xml><?xml version="1.0" encoding="utf-8"?>
+<p:sld xmlns:a="http://schemas.openxmlformats.org/drawingml/2006/main" xmlns:r="http://schemas.openxmlformats.org/officeDocument/2006/relationships" xmlns:p="http://schemas.openxmlformats.org/presentationml/2006/main">
+  <p:cSld>
+    <p:spTree>
+      <p:nvGrpSpPr>
+        <p:cNvPr id="1" name=""/>
+        <p:cNvGrpSpPr/>
+        <p:nvPr/>
+      </p:nvGrpSpPr>
+      <p:grpSpPr>
+        <a:xfrm>
+          <a:off x="0" y="0"/>
+          <a:ext cx="0" cy="0"/>
+          <a:chOff x="0" y="0"/>
+          <a:chExt cx="0" cy="0"/>
+        </a:xfrm>
+      </p:grpSpPr>
+      <p:sp>
+        <p:nvSpPr>
+          <p:cNvPr id="2" name="Title 1"/>
+          <p:cNvSpPr>
+            <a:spLocks noGrp="1"/>
+          </p:cNvSpPr>
+          <p:nvPr>
+            <p:ph type="title"/>
+          </p:nvPr>
+        </p:nvSpPr>
+        <p:spPr/>
+        <p:txBody>
+          <a:bodyPr>
+            <a:normAutofit/>
+          </a:bodyPr>
+          <a:lstStyle/>
+          <a:p>
+            <a:pPr algn="l"/>
+            <a:r>
+              <a:rPr lang="en-US" sz="2800" dirty="0"/>
+              <a:t>Seasonality of Returns: 1951 - 2018</a:t>
+            </a:r>
+          </a:p>
+        </p:txBody>
+      </p:sp>
+      <p:sp>
+        <p:nvSpPr>
+          <p:cNvPr id="5" name="TextBox 4"/>
+          <p:cNvSpPr txBox="1"/>
+          <p:nvPr/>
+        </p:nvSpPr>
+        <p:spPr>
+          <a:xfrm>
+            <a:off x="685800" y="1295400"/>
+            <a:ext cx="8001000" cy="369332"/>
+          </a:xfrm>
+          <a:prstGeom prst="rect">
+            <a:avLst/>
+          </a:prstGeom>
+          <a:noFill/>
+        </p:spPr>
+        <p:txBody>
+          <a:bodyPr wrap="square" rtlCol="0">
+            <a:spAutoFit/>
+          </a:bodyPr>
+          <a:lstStyle/>
+          <a:p>
+            <a:r>
+              <a:rPr lang="en-US" b="1" dirty="0">
+                <a:solidFill>
+                  <a:schemeClr val="bg1"/>
+                </a:solidFill>
+              </a:rPr>
+              <a:t>Maybe it depends on the season...</a:t>
             </a:r>
           </a:p>
         </p:txBody>
@@ -4382,14 +4507,92 @@
         </p:blipFill>
         <p:spPr>
           <a:xfrm>
-            <a:off x="1565450" y="1816100"/>
-            <a:ext cx="6683350" cy="4432300"/>
+            <a:off x="1514400" y="2209800"/>
+            <a:ext cx="6115200" cy="4055511"/>
           </a:xfrm>
           <a:prstGeom prst="rect">
             <a:avLst/>
           </a:prstGeom>
         </p:spPr>
       </p:pic>
+      <p:sp>
+        <p:nvSpPr>
+          <p:cNvPr id="6" name="TextBox 5">
+            <a:extLst>
+              <a:ext uri="{FF2B5EF4-FFF2-40B4-BE49-F238E27FC236}">
+                <a16:creationId xmlns:a16="http://schemas.microsoft.com/office/drawing/2014/main" id="{0BF492A5-E2B1-EF49-A4E4-AEB860BC9D0B}"/>
+              </a:ext>
+            </a:extLst>
+          </p:cNvPr>
+          <p:cNvSpPr txBox="1"/>
+          <p:nvPr/>
+        </p:nvSpPr>
+        <p:spPr>
+          <a:xfrm>
+            <a:off x="3124200" y="3960556"/>
+            <a:ext cx="914400" cy="276999"/>
+          </a:xfrm>
+          <a:prstGeom prst="rect">
+            <a:avLst/>
+          </a:prstGeom>
+          <a:noFill/>
+        </p:spPr>
+        <p:txBody>
+          <a:bodyPr wrap="square" rtlCol="0">
+            <a:spAutoFit/>
+          </a:bodyPr>
+          <a:lstStyle/>
+          <a:p>
+            <a:r>
+              <a:rPr lang="en-US" sz="1200" b="1" dirty="0">
+                <a:solidFill>
+                  <a:schemeClr val="bg1"/>
+                </a:solidFill>
+              </a:rPr>
+              <a:t>Nov - Apr</a:t>
+            </a:r>
+          </a:p>
+        </p:txBody>
+      </p:sp>
+      <p:sp>
+        <p:nvSpPr>
+          <p:cNvPr id="8" name="TextBox 7">
+            <a:extLst>
+              <a:ext uri="{FF2B5EF4-FFF2-40B4-BE49-F238E27FC236}">
+                <a16:creationId xmlns:a16="http://schemas.microsoft.com/office/drawing/2014/main" id="{CE3C6BB4-3BED-5E49-A18D-F871F4976C9D}"/>
+              </a:ext>
+            </a:extLst>
+          </p:cNvPr>
+          <p:cNvSpPr txBox="1"/>
+          <p:nvPr/>
+        </p:nvSpPr>
+        <p:spPr>
+          <a:xfrm>
+            <a:off x="5562600" y="5424100"/>
+            <a:ext cx="914400" cy="276999"/>
+          </a:xfrm>
+          <a:prstGeom prst="rect">
+            <a:avLst/>
+          </a:prstGeom>
+          <a:noFill/>
+        </p:spPr>
+        <p:txBody>
+          <a:bodyPr wrap="square" rtlCol="0">
+            <a:spAutoFit/>
+          </a:bodyPr>
+          <a:lstStyle/>
+          <a:p>
+            <a:r>
+              <a:rPr lang="en-US" sz="1200" b="1" dirty="0">
+                <a:solidFill>
+                  <a:schemeClr val="bg1"/>
+                </a:solidFill>
+              </a:rPr>
+              <a:t>May - Oct</a:t>
+            </a:r>
+          </a:p>
+        </p:txBody>
+      </p:sp>
     </p:spTree>
     <p:extLst>
       <p:ext uri="{BB962C8B-B14F-4D97-AF65-F5344CB8AC3E}">
@@ -4403,7 +4606,7 @@
 </p:sld>
 </file>
 
-<file path=ppt/slides/slide3.xml><?xml version="1.0" encoding="utf-8"?>
+<file path=ppt/slides/slide4.xml><?xml version="1.0" encoding="utf-8"?>
 <p:sld xmlns:a="http://schemas.openxmlformats.org/drawingml/2006/main" xmlns:r="http://schemas.openxmlformats.org/officeDocument/2006/relationships" xmlns:p="http://schemas.openxmlformats.org/presentationml/2006/main">
   <p:cSld>
     <p:spTree>
@@ -4716,7 +4919,7 @@
 </p:sld>
 </file>
 
-<file path=ppt/slides/slide4.xml><?xml version="1.0" encoding="utf-8"?>
+<file path=ppt/slides/slide5.xml><?xml version="1.0" encoding="utf-8"?>
 <p:sld xmlns:a="http://schemas.openxmlformats.org/drawingml/2006/main" xmlns:r="http://schemas.openxmlformats.org/officeDocument/2006/relationships" xmlns:p="http://schemas.openxmlformats.org/presentationml/2006/main">
   <p:cSld>
     <p:spTree>
@@ -5033,7 +5236,7 @@
 </p:sld>
 </file>
 
-<file path=ppt/slides/slide5.xml><?xml version="1.0" encoding="utf-8"?>
+<file path=ppt/slides/slide6.xml><?xml version="1.0" encoding="utf-8"?>
 <p:sld xmlns:a="http://schemas.openxmlformats.org/drawingml/2006/main" xmlns:r="http://schemas.openxmlformats.org/officeDocument/2006/relationships" xmlns:p="http://schemas.openxmlformats.org/presentationml/2006/main">
   <p:cSld>
     <p:spTree>
@@ -5338,173 +5541,6 @@
 </p:sld>
 </file>
 
-<file path=ppt/slides/slide6.xml><?xml version="1.0" encoding="utf-8"?>
-<p:sld xmlns:a="http://schemas.openxmlformats.org/drawingml/2006/main" xmlns:r="http://schemas.openxmlformats.org/officeDocument/2006/relationships" xmlns:p="http://schemas.openxmlformats.org/presentationml/2006/main">
-  <p:cSld>
-    <p:spTree>
-      <p:nvGrpSpPr>
-        <p:cNvPr id="1" name=""/>
-        <p:cNvGrpSpPr/>
-        <p:nvPr/>
-      </p:nvGrpSpPr>
-      <p:grpSpPr>
-        <a:xfrm>
-          <a:off x="0" y="0"/>
-          <a:ext cx="0" cy="0"/>
-          <a:chOff x="0" y="0"/>
-          <a:chExt cx="0" cy="0"/>
-        </a:xfrm>
-      </p:grpSpPr>
-      <p:sp>
-        <p:nvSpPr>
-          <p:cNvPr id="2" name="Title 1"/>
-          <p:cNvSpPr>
-            <a:spLocks noGrp="1"/>
-          </p:cNvSpPr>
-          <p:nvPr>
-            <p:ph type="title"/>
-          </p:nvPr>
-        </p:nvSpPr>
-        <p:spPr/>
-        <p:txBody>
-          <a:bodyPr/>
-          <a:lstStyle/>
-          <a:p>
-            <a:pPr algn="l"/>
-            <a:r>
-              <a:rPr lang="en-US" dirty="0"/>
-              <a:t>Seasonality Conclusions</a:t>
-            </a:r>
-          </a:p>
-        </p:txBody>
-      </p:sp>
-      <p:sp>
-        <p:nvSpPr>
-          <p:cNvPr id="3" name="Content Placeholder 2"/>
-          <p:cNvSpPr>
-            <a:spLocks noGrp="1"/>
-          </p:cNvSpPr>
-          <p:nvPr>
-            <p:ph idx="1"/>
-          </p:nvPr>
-        </p:nvSpPr>
-        <p:spPr/>
-        <p:txBody>
-          <a:bodyPr/>
-          <a:lstStyle/>
-          <a:p>
-            <a:r>
-              <a:rPr lang="en-US" dirty="0"/>
-              <a:t>Evidence of Seasonal Investing Benefits</a:t>
-            </a:r>
-          </a:p>
-          <a:p>
-            <a:pPr lvl="1"/>
-            <a:r>
-              <a:rPr lang="en-US" dirty="0"/>
-              <a:t>May – Oct: </a:t>
-            </a:r>
-            <a:r>
-              <a:rPr lang="en-US" dirty="0" err="1"/>
-              <a:t>Avg</a:t>
-            </a:r>
-            <a:r>
-              <a:rPr lang="en-US" dirty="0"/>
-              <a:t> return 0.3% </a:t>
-            </a:r>
-          </a:p>
-          <a:p>
-            <a:pPr lvl="1"/>
-            <a:r>
-              <a:rPr lang="en-US" dirty="0"/>
-              <a:t>Nov – Apr: 7.5%</a:t>
-            </a:r>
-          </a:p>
-          <a:p>
-            <a:pPr lvl="1"/>
-            <a:r>
-              <a:rPr lang="en-US" dirty="0"/>
-              <a:t>Research is not clear what causes this strategy, but possible explanations are:</a:t>
-            </a:r>
-          </a:p>
-          <a:p>
-            <a:pPr lvl="2"/>
-            <a:r>
-              <a:rPr lang="en-US" dirty="0"/>
-              <a:t>Vacation months lead to risk aversion</a:t>
-            </a:r>
-          </a:p>
-          <a:p>
-            <a:pPr lvl="2"/>
-            <a:r>
-              <a:rPr lang="en-US" dirty="0"/>
-              <a:t>Optimism at the beginning of the year</a:t>
-            </a:r>
-          </a:p>
-          <a:p>
-            <a:pPr lvl="1"/>
-            <a:r>
-              <a:rPr lang="en-US" dirty="0"/>
-              <a:t>Effect has been in place since 1950</a:t>
-            </a:r>
-          </a:p>
-          <a:p>
-            <a:pPr lvl="2"/>
-            <a:r>
-              <a:rPr lang="en-US" dirty="0"/>
-              <a:t>More recent studies show that this effect in 108 countries from data as far back as 1693 (Jacobsen &amp; Zhang, 2012)</a:t>
-            </a:r>
-          </a:p>
-          <a:p>
-            <a:pPr marL="914400" lvl="2" indent="0">
-              <a:buNone/>
-            </a:pPr>
-            <a:endParaRPr lang="en-US" dirty="0"/>
-          </a:p>
-        </p:txBody>
-      </p:sp>
-      <p:sp>
-        <p:nvSpPr>
-          <p:cNvPr id="4" name="Slide Number Placeholder 3"/>
-          <p:cNvSpPr>
-            <a:spLocks noGrp="1"/>
-          </p:cNvSpPr>
-          <p:nvPr>
-            <p:ph type="sldNum" sz="quarter" idx="10"/>
-          </p:nvPr>
-        </p:nvSpPr>
-        <p:spPr/>
-        <p:txBody>
-          <a:bodyPr/>
-          <a:lstStyle/>
-          <a:p>
-            <a:pPr>
-              <a:defRPr/>
-            </a:pPr>
-            <a:fld id="{8477AC55-169F-48BF-899E-DC616324E2CF}" type="slidenum">
-              <a:rPr lang="en-US" smtClean="0"/>
-              <a:pPr>
-                <a:defRPr/>
-              </a:pPr>
-              <a:t>5</a:t>
-            </a:fld>
-            <a:endParaRPr lang="en-US" dirty="0"/>
-          </a:p>
-        </p:txBody>
-      </p:sp>
-    </p:spTree>
-    <p:extLst>
-      <p:ext uri="{BB962C8B-B14F-4D97-AF65-F5344CB8AC3E}">
-        <p14:creationId xmlns:p14="http://schemas.microsoft.com/office/powerpoint/2010/main" val="2294092593"/>
-      </p:ext>
-    </p:extLst>
-  </p:cSld>
-  <p:clrMapOvr>
-    <a:masterClrMapping/>
-  </p:clrMapOvr>
-</p:sld>
-</file>
-
 <file path=ppt/slides/slide7.xml><?xml version="1.0" encoding="utf-8"?>
 <p:sld xmlns:a="http://schemas.openxmlformats.org/drawingml/2006/main" xmlns:r="http://schemas.openxmlformats.org/officeDocument/2006/relationships" xmlns:p="http://schemas.openxmlformats.org/presentationml/2006/main">
   <p:cSld>
@@ -5540,7 +5576,7 @@
             <a:pPr algn="l"/>
             <a:r>
               <a:rPr lang="en-US" dirty="0"/>
-              <a:t>Model Assumption</a:t>
+              <a:t>Seasonality Conclusions</a:t>
             </a:r>
           </a:p>
         </p:txBody>
@@ -5562,48 +5598,70 @@
           <a:p>
             <a:r>
               <a:rPr lang="en-US" dirty="0"/>
-              <a:t>For the purpose of simplicity we are focusing only on the effects of time and not taking into account any other external factors such as</a:t>
+              <a:t>Evidence of Seasonal Investing Benefits</a:t>
             </a:r>
           </a:p>
           <a:p>
             <a:pPr lvl="1"/>
             <a:r>
               <a:rPr lang="en-US" dirty="0"/>
-              <a:t>Stock splits do not dilute returns</a:t>
+              <a:t>May – Oct: </a:t>
+            </a:r>
+            <a:r>
+              <a:rPr lang="en-US" dirty="0" err="1"/>
+              <a:t>Avg</a:t>
+            </a:r>
+            <a:r>
+              <a:rPr lang="en-US" dirty="0"/>
+              <a:t> return 0.3% </a:t>
             </a:r>
           </a:p>
           <a:p>
             <a:pPr lvl="1"/>
             <a:r>
               <a:rPr lang="en-US" dirty="0"/>
-              <a:t>Companies switching or being added to index has no effect (within S&amp;P)</a:t>
+              <a:t>Nov – Apr: 7.5%</a:t>
             </a:r>
           </a:p>
           <a:p>
             <a:pPr lvl="1"/>
             <a:r>
               <a:rPr lang="en-US" dirty="0"/>
-              <a:t>Dividend reinvesting is unaccounted for vs simple price appreciation</a:t>
+              <a:t>Research is not clear what causes this strategy, but possible explanations are:</a:t>
+            </a:r>
+          </a:p>
+          <a:p>
+            <a:pPr lvl="2"/>
+            <a:r>
+              <a:rPr lang="en-US" dirty="0"/>
+              <a:t>Vacation months lead to risk aversion</a:t>
+            </a:r>
+          </a:p>
+          <a:p>
+            <a:pPr lvl="2"/>
+            <a:r>
+              <a:rPr lang="en-US" dirty="0"/>
+              <a:t>Optimism at the beginning of the year</a:t>
             </a:r>
           </a:p>
           <a:p>
             <a:pPr lvl="1"/>
             <a:r>
               <a:rPr lang="en-US" dirty="0"/>
-              <a:t>Opening Price of 1</a:t>
-            </a:r>
-            <a:r>
-              <a:rPr lang="en-US" baseline="30000" dirty="0"/>
-              <a:t>st</a:t>
-            </a:r>
-            <a:r>
-              <a:rPr lang="en-US" dirty="0"/>
-              <a:t> day of ‘next month’ equals Closing Price of the last day of </a:t>
-            </a:r>
-            <a:r>
-              <a:rPr lang="en-US"/>
-              <a:t>the ‘previous month’</a:t>
-            </a:r>
+              <a:t>Effect has been in place since 1950</a:t>
+            </a:r>
+          </a:p>
+          <a:p>
+            <a:pPr lvl="2"/>
+            <a:r>
+              <a:rPr lang="en-US" dirty="0"/>
+              <a:t>More recent studies show that this effect in 108 countries from data as far back as 1693 (Jacobsen &amp; Zhang, 2012)</a:t>
+            </a:r>
+          </a:p>
+          <a:p>
+            <a:pPr marL="914400" lvl="2" indent="0">
+              <a:buNone/>
+            </a:pPr>
             <a:endParaRPr lang="en-US" dirty="0"/>
           </a:p>
         </p:txBody>
@@ -5632,6 +5690,151 @@
                 <a:defRPr/>
               </a:pPr>
               <a:t>6</a:t>
+            </a:fld>
+            <a:endParaRPr lang="en-US" dirty="0"/>
+          </a:p>
+        </p:txBody>
+      </p:sp>
+    </p:spTree>
+    <p:extLst>
+      <p:ext uri="{BB962C8B-B14F-4D97-AF65-F5344CB8AC3E}">
+        <p14:creationId xmlns:p14="http://schemas.microsoft.com/office/powerpoint/2010/main" val="2294092593"/>
+      </p:ext>
+    </p:extLst>
+  </p:cSld>
+  <p:clrMapOvr>
+    <a:masterClrMapping/>
+  </p:clrMapOvr>
+</p:sld>
+</file>
+
+<file path=ppt/slides/slide8.xml><?xml version="1.0" encoding="utf-8"?>
+<p:sld xmlns:a="http://schemas.openxmlformats.org/drawingml/2006/main" xmlns:r="http://schemas.openxmlformats.org/officeDocument/2006/relationships" xmlns:p="http://schemas.openxmlformats.org/presentationml/2006/main">
+  <p:cSld>
+    <p:spTree>
+      <p:nvGrpSpPr>
+        <p:cNvPr id="1" name=""/>
+        <p:cNvGrpSpPr/>
+        <p:nvPr/>
+      </p:nvGrpSpPr>
+      <p:grpSpPr>
+        <a:xfrm>
+          <a:off x="0" y="0"/>
+          <a:ext cx="0" cy="0"/>
+          <a:chOff x="0" y="0"/>
+          <a:chExt cx="0" cy="0"/>
+        </a:xfrm>
+      </p:grpSpPr>
+      <p:sp>
+        <p:nvSpPr>
+          <p:cNvPr id="2" name="Title 1"/>
+          <p:cNvSpPr>
+            <a:spLocks noGrp="1"/>
+          </p:cNvSpPr>
+          <p:nvPr>
+            <p:ph type="title"/>
+          </p:nvPr>
+        </p:nvSpPr>
+        <p:spPr/>
+        <p:txBody>
+          <a:bodyPr/>
+          <a:lstStyle/>
+          <a:p>
+            <a:pPr algn="l"/>
+            <a:r>
+              <a:rPr lang="en-US" dirty="0"/>
+              <a:t>Model Assumption</a:t>
+            </a:r>
+          </a:p>
+        </p:txBody>
+      </p:sp>
+      <p:sp>
+        <p:nvSpPr>
+          <p:cNvPr id="3" name="Content Placeholder 2"/>
+          <p:cNvSpPr>
+            <a:spLocks noGrp="1"/>
+          </p:cNvSpPr>
+          <p:nvPr>
+            <p:ph idx="1"/>
+          </p:nvPr>
+        </p:nvSpPr>
+        <p:spPr/>
+        <p:txBody>
+          <a:bodyPr/>
+          <a:lstStyle/>
+          <a:p>
+            <a:r>
+              <a:rPr lang="en-US" dirty="0"/>
+              <a:t>For the purpose of simplicity we are focusing only on the effects of time and not taking into account any other external factors such as</a:t>
+            </a:r>
+          </a:p>
+          <a:p>
+            <a:pPr lvl="1"/>
+            <a:r>
+              <a:rPr lang="en-US" dirty="0"/>
+              <a:t>Stock splits do not dilute returns</a:t>
+            </a:r>
+          </a:p>
+          <a:p>
+            <a:pPr lvl="1"/>
+            <a:r>
+              <a:rPr lang="en-US" dirty="0"/>
+              <a:t>Companies switching or being added to index has no effect (within S&amp;P)</a:t>
+            </a:r>
+          </a:p>
+          <a:p>
+            <a:pPr lvl="1"/>
+            <a:r>
+              <a:rPr lang="en-US" dirty="0"/>
+              <a:t>Dividend reinvesting is unaccounted for vs simple price appreciation</a:t>
+            </a:r>
+          </a:p>
+          <a:p>
+            <a:pPr lvl="1"/>
+            <a:r>
+              <a:rPr lang="en-US" dirty="0"/>
+              <a:t>Opening Price of 1</a:t>
+            </a:r>
+            <a:r>
+              <a:rPr lang="en-US" baseline="30000" dirty="0"/>
+              <a:t>st</a:t>
+            </a:r>
+            <a:r>
+              <a:rPr lang="en-US" dirty="0"/>
+              <a:t> day of ‘next month’ equals Closing Price of the last day of </a:t>
+            </a:r>
+            <a:r>
+              <a:rPr lang="en-US"/>
+              <a:t>the ‘previous month’</a:t>
+            </a:r>
+            <a:endParaRPr lang="en-US" dirty="0"/>
+          </a:p>
+        </p:txBody>
+      </p:sp>
+      <p:sp>
+        <p:nvSpPr>
+          <p:cNvPr id="4" name="Slide Number Placeholder 3"/>
+          <p:cNvSpPr>
+            <a:spLocks noGrp="1"/>
+          </p:cNvSpPr>
+          <p:nvPr>
+            <p:ph type="sldNum" sz="quarter" idx="10"/>
+          </p:nvPr>
+        </p:nvSpPr>
+        <p:spPr/>
+        <p:txBody>
+          <a:bodyPr/>
+          <a:lstStyle/>
+          <a:p>
+            <a:pPr>
+              <a:defRPr/>
+            </a:pPr>
+            <a:fld id="{8477AC55-169F-48BF-899E-DC616324E2CF}" type="slidenum">
+              <a:rPr lang="en-US" smtClean="0"/>
+              <a:pPr>
+                <a:defRPr/>
+              </a:pPr>
+              <a:t>7</a:t>
             </a:fld>
             <a:endParaRPr lang="en-US" dirty="0"/>
           </a:p>

--- a/Portfolio Strategy Project.pptx
+++ b/Portfolio Strategy Project.pptx
@@ -5771,43 +5771,38 @@
           <a:p>
             <a:pPr lvl="1"/>
             <a:r>
-              <a:rPr lang="en-US" dirty="0"/>
+              <a:rPr lang="en-US" sz="2400" dirty="0"/>
               <a:t>Stock splits do not dilute returns</a:t>
             </a:r>
           </a:p>
           <a:p>
             <a:pPr lvl="1"/>
             <a:r>
-              <a:rPr lang="en-US" dirty="0"/>
+              <a:rPr lang="en-US" sz="2400" dirty="0"/>
               <a:t>Companies switching or being added to index has no effect (within S&amp;P)</a:t>
             </a:r>
           </a:p>
           <a:p>
             <a:pPr lvl="1"/>
             <a:r>
-              <a:rPr lang="en-US" dirty="0"/>
+              <a:rPr lang="en-US" sz="2400" dirty="0"/>
               <a:t>Dividend reinvesting is unaccounted for vs simple price appreciation</a:t>
             </a:r>
           </a:p>
           <a:p>
             <a:pPr lvl="1"/>
             <a:r>
-              <a:rPr lang="en-US" dirty="0"/>
+              <a:rPr lang="en-US" sz="2400" dirty="0"/>
               <a:t>Opening Price of 1</a:t>
             </a:r>
             <a:r>
-              <a:rPr lang="en-US" baseline="30000" dirty="0"/>
+              <a:rPr lang="en-US" sz="2400" baseline="30000" dirty="0"/>
               <a:t>st</a:t>
             </a:r>
             <a:r>
-              <a:rPr lang="en-US" dirty="0"/>
-              <a:t> day of ‘next month’ equals Closing Price of the last day of </a:t>
-            </a:r>
-            <a:r>
-              <a:rPr lang="en-US"/>
-              <a:t>the ‘previous month’</a:t>
-            </a:r>
-            <a:endParaRPr lang="en-US" dirty="0"/>
+              <a:rPr lang="en-US" sz="2400" dirty="0"/>
+              <a:t> day of ‘next month’ equals Closing Price of the last day of the ‘previous month’</a:t>
+            </a:r>
           </a:p>
         </p:txBody>
       </p:sp>

--- a/Portfolio Strategy Project.pptx
+++ b/Portfolio Strategy Project.pptx
@@ -5177,7 +5177,7 @@
                   <a:schemeClr val="bg1"/>
                 </a:solidFill>
               </a:rPr>
-              <a:t>Average Total Return from 1951-2018: Nov - Apr</a:t>
+              <a:t>Average Total Return from 1951-2018</a:t>
             </a:r>
             <a:endParaRPr lang="en-US" dirty="0">
               <a:solidFill>
@@ -5528,6 +5528,228 @@
           </a:prstGeom>
         </p:spPr>
       </p:pic>
+      <p:sp>
+        <p:nvSpPr>
+          <p:cNvPr id="7" name="Title 1">
+            <a:extLst>
+              <a:ext uri="{FF2B5EF4-FFF2-40B4-BE49-F238E27FC236}">
+                <a16:creationId xmlns:a16="http://schemas.microsoft.com/office/drawing/2014/main" id="{24DC18D0-9BC6-1F4D-B4D0-BB1606E455FD}"/>
+              </a:ext>
+            </a:extLst>
+          </p:cNvPr>
+          <p:cNvSpPr txBox="1">
+            <a:spLocks/>
+          </p:cNvSpPr>
+          <p:nvPr/>
+        </p:nvSpPr>
+        <p:spPr bwMode="auto">
+          <a:xfrm>
+            <a:off x="609600" y="1189234"/>
+            <a:ext cx="8229600" cy="1066800"/>
+          </a:xfrm>
+          <a:prstGeom prst="rect">
+            <a:avLst/>
+          </a:prstGeom>
+          <a:noFill/>
+          <a:ln w="9525">
+            <a:noFill/>
+            <a:miter lim="800000"/>
+            <a:headEnd/>
+            <a:tailEnd/>
+          </a:ln>
+          <a:effectLst>
+            <a:outerShdw blurRad="50800" dist="38100" dir="5400000" algn="t" rotWithShape="0">
+              <a:prstClr val="black">
+                <a:alpha val="40000"/>
+              </a:prstClr>
+            </a:outerShdw>
+          </a:effectLst>
+        </p:spPr>
+        <p:txBody>
+          <a:bodyPr vert="horz" wrap="square" lIns="91440" tIns="45720" rIns="91440" bIns="45720" numCol="1" anchor="ctr" anchorCtr="0" compatLnSpc="1">
+            <a:prstTxWarp prst="textNoShape">
+              <a:avLst/>
+            </a:prstTxWarp>
+            <a:normAutofit/>
+          </a:bodyPr>
+          <a:lstStyle>
+            <a:lvl1pPr algn="ctr" rtl="0" eaLnBrk="0" fontAlgn="base" hangingPunct="0">
+              <a:spcBef>
+                <a:spcPct val="0"/>
+              </a:spcBef>
+              <a:spcAft>
+                <a:spcPct val="0"/>
+              </a:spcAft>
+              <a:defRPr sz="3200" b="1" cap="none" spc="0">
+                <a:ln w="18415" cmpd="sng">
+                  <a:solidFill>
+                    <a:srgbClr val="FFFFFF"/>
+                  </a:solidFill>
+                  <a:prstDash val="solid"/>
+                </a:ln>
+                <a:solidFill>
+                  <a:srgbClr val="FFFFFF"/>
+                </a:solidFill>
+                <a:effectLst>
+                  <a:outerShdw blurRad="63500" dir="3600000" algn="tl" rotWithShape="0">
+                    <a:srgbClr val="000000">
+                      <a:alpha val="70000"/>
+                    </a:srgbClr>
+                  </a:outerShdw>
+                </a:effectLst>
+                <a:latin typeface="+mj-lt"/>
+                <a:ea typeface="+mj-ea"/>
+                <a:cs typeface="+mj-cs"/>
+              </a:defRPr>
+            </a:lvl1pPr>
+            <a:lvl2pPr algn="ctr" rtl="0" eaLnBrk="0" fontAlgn="base" hangingPunct="0">
+              <a:spcBef>
+                <a:spcPct val="0"/>
+              </a:spcBef>
+              <a:spcAft>
+                <a:spcPct val="0"/>
+              </a:spcAft>
+              <a:defRPr sz="3600">
+                <a:solidFill>
+                  <a:schemeClr val="bg1"/>
+                </a:solidFill>
+                <a:latin typeface="Arial Black" pitchFamily="34" charset="0"/>
+                <a:cs typeface="Arial" charset="0"/>
+              </a:defRPr>
+            </a:lvl2pPr>
+            <a:lvl3pPr algn="ctr" rtl="0" eaLnBrk="0" fontAlgn="base" hangingPunct="0">
+              <a:spcBef>
+                <a:spcPct val="0"/>
+              </a:spcBef>
+              <a:spcAft>
+                <a:spcPct val="0"/>
+              </a:spcAft>
+              <a:defRPr sz="3600">
+                <a:solidFill>
+                  <a:schemeClr val="bg1"/>
+                </a:solidFill>
+                <a:latin typeface="Arial Black" pitchFamily="34" charset="0"/>
+                <a:cs typeface="Arial" charset="0"/>
+              </a:defRPr>
+            </a:lvl3pPr>
+            <a:lvl4pPr algn="ctr" rtl="0" eaLnBrk="0" fontAlgn="base" hangingPunct="0">
+              <a:spcBef>
+                <a:spcPct val="0"/>
+              </a:spcBef>
+              <a:spcAft>
+                <a:spcPct val="0"/>
+              </a:spcAft>
+              <a:defRPr sz="3600">
+                <a:solidFill>
+                  <a:schemeClr val="bg1"/>
+                </a:solidFill>
+                <a:latin typeface="Arial Black" pitchFamily="34" charset="0"/>
+                <a:cs typeface="Arial" charset="0"/>
+              </a:defRPr>
+            </a:lvl4pPr>
+            <a:lvl5pPr algn="ctr" rtl="0" eaLnBrk="0" fontAlgn="base" hangingPunct="0">
+              <a:spcBef>
+                <a:spcPct val="0"/>
+              </a:spcBef>
+              <a:spcAft>
+                <a:spcPct val="0"/>
+              </a:spcAft>
+              <a:defRPr sz="3600">
+                <a:solidFill>
+                  <a:schemeClr val="bg1"/>
+                </a:solidFill>
+                <a:latin typeface="Arial Black" pitchFamily="34" charset="0"/>
+                <a:cs typeface="Arial" charset="0"/>
+              </a:defRPr>
+            </a:lvl5pPr>
+            <a:lvl6pPr marL="457200" algn="ctr" rtl="0" fontAlgn="base">
+              <a:spcBef>
+                <a:spcPct val="0"/>
+              </a:spcBef>
+              <a:spcAft>
+                <a:spcPct val="0"/>
+              </a:spcAft>
+              <a:defRPr sz="3600">
+                <a:solidFill>
+                  <a:schemeClr val="bg1"/>
+                </a:solidFill>
+                <a:latin typeface="Arial Black" pitchFamily="34" charset="0"/>
+                <a:cs typeface="Arial" charset="0"/>
+              </a:defRPr>
+            </a:lvl6pPr>
+            <a:lvl7pPr marL="914400" algn="ctr" rtl="0" fontAlgn="base">
+              <a:spcBef>
+                <a:spcPct val="0"/>
+              </a:spcBef>
+              <a:spcAft>
+                <a:spcPct val="0"/>
+              </a:spcAft>
+              <a:defRPr sz="3600">
+                <a:solidFill>
+                  <a:schemeClr val="bg1"/>
+                </a:solidFill>
+                <a:latin typeface="Arial Black" pitchFamily="34" charset="0"/>
+                <a:cs typeface="Arial" charset="0"/>
+              </a:defRPr>
+            </a:lvl7pPr>
+            <a:lvl8pPr marL="1371600" algn="ctr" rtl="0" fontAlgn="base">
+              <a:spcBef>
+                <a:spcPct val="0"/>
+              </a:spcBef>
+              <a:spcAft>
+                <a:spcPct val="0"/>
+              </a:spcAft>
+              <a:defRPr sz="3600">
+                <a:solidFill>
+                  <a:schemeClr val="bg1"/>
+                </a:solidFill>
+                <a:latin typeface="Arial Black" pitchFamily="34" charset="0"/>
+                <a:cs typeface="Arial" charset="0"/>
+              </a:defRPr>
+            </a:lvl8pPr>
+            <a:lvl9pPr marL="1828800" algn="ctr" rtl="0" fontAlgn="base">
+              <a:spcBef>
+                <a:spcPct val="0"/>
+              </a:spcBef>
+              <a:spcAft>
+                <a:spcPct val="0"/>
+              </a:spcAft>
+              <a:defRPr sz="3600">
+                <a:solidFill>
+                  <a:schemeClr val="bg1"/>
+                </a:solidFill>
+                <a:latin typeface="Arial Black" pitchFamily="34" charset="0"/>
+                <a:cs typeface="Arial" charset="0"/>
+              </a:defRPr>
+            </a:lvl9pPr>
+          </a:lstStyle>
+          <a:p>
+            <a:pPr>
+              <a:defRPr sz="1800" b="1" i="0" u="none" strike="noStrike" kern="1200" baseline="0">
+                <a:solidFill>
+                  <a:srgbClr val="FFFFFF"/>
+                </a:solidFill>
+                <a:latin typeface="+mn-lt"/>
+                <a:ea typeface="+mn-ea"/>
+                <a:cs typeface="+mn-cs"/>
+              </a:defRPr>
+            </a:pPr>
+            <a:r>
+              <a:rPr lang="en-US" dirty="0">
+                <a:solidFill>
+                  <a:schemeClr val="bg1"/>
+                </a:solidFill>
+              </a:rPr>
+              <a:t>Average Total Return from 1951-2018</a:t>
+            </a:r>
+            <a:endParaRPr lang="en-US" dirty="0">
+              <a:solidFill>
+                <a:srgbClr val="FFFF00"/>
+              </a:solidFill>
+            </a:endParaRPr>
+          </a:p>
+        </p:txBody>
+      </p:sp>
     </p:spTree>
     <p:extLst>
       <p:ext uri="{BB962C8B-B14F-4D97-AF65-F5344CB8AC3E}">

--- a/Portfolio Strategy Project.pptx
+++ b/Portfolio Strategy Project.pptx
@@ -5835,14 +5835,19 @@
             </a:r>
             <a:r>
               <a:rPr lang="en-US" dirty="0"/>
-              <a:t> return 0.3% </a:t>
-            </a:r>
+              <a:t> </a:t>
+            </a:r>
+            <a:r>
+              <a:rPr lang="en-US"/>
+              <a:t>return 1.6% </a:t>
+            </a:r>
+            <a:endParaRPr lang="en-US" dirty="0"/>
           </a:p>
           <a:p>
             <a:pPr lvl="1"/>
             <a:r>
               <a:rPr lang="en-US" dirty="0"/>
-              <a:t>Nov – Apr: 7.5%</a:t>
+              <a:t>Nov – Apr: 6.9%</a:t>
             </a:r>
           </a:p>
           <a:p>

--- a/Portfolio Strategy Project.pptx
+++ b/Portfolio Strategy Project.pptx
@@ -5,27 +5,29 @@
     <p:sldMasterId id="2147483648" r:id="rId1"/>
   </p:sldMasterIdLst>
   <p:notesMasterIdLst>
-    <p:notesMasterId r:id="rId10"/>
+    <p:notesMasterId r:id="rId12"/>
   </p:notesMasterIdLst>
   <p:handoutMasterIdLst>
-    <p:handoutMasterId r:id="rId11"/>
+    <p:handoutMasterId r:id="rId13"/>
   </p:handoutMasterIdLst>
   <p:sldIdLst>
     <p:sldId id="256" r:id="rId2"/>
     <p:sldId id="292" r:id="rId3"/>
-    <p:sldId id="286" r:id="rId4"/>
-    <p:sldId id="282" r:id="rId5"/>
-    <p:sldId id="272" r:id="rId6"/>
-    <p:sldId id="291" r:id="rId7"/>
-    <p:sldId id="288" r:id="rId8"/>
-    <p:sldId id="289" r:id="rId9"/>
+    <p:sldId id="293" r:id="rId4"/>
+    <p:sldId id="294" r:id="rId5"/>
+    <p:sldId id="286" r:id="rId6"/>
+    <p:sldId id="282" r:id="rId7"/>
+    <p:sldId id="272" r:id="rId8"/>
+    <p:sldId id="291" r:id="rId9"/>
+    <p:sldId id="288" r:id="rId10"/>
+    <p:sldId id="289" r:id="rId11"/>
   </p:sldIdLst>
   <p:sldSz cx="9144000" cy="6858000" type="screen4x3"/>
   <p:notesSz cx="7010400" cy="9296400"/>
   <p:embeddedFontLst>
     <p:embeddedFont>
       <p:font typeface="Arial Black" panose="020B0604020202020204" pitchFamily="34" charset="0"/>
-      <p:bold r:id="rId12"/>
+      <p:bold r:id="rId14"/>
     </p:embeddedFont>
   </p:embeddedFontLst>
   <p:defaultTextStyle>
@@ -4280,6 +4282,157 @@
 </p:sld>
 </file>
 
+<file path=ppt/slides/slide10.xml><?xml version="1.0" encoding="utf-8"?>
+<p:sld xmlns:a="http://schemas.openxmlformats.org/drawingml/2006/main" xmlns:r="http://schemas.openxmlformats.org/officeDocument/2006/relationships" xmlns:p="http://schemas.openxmlformats.org/presentationml/2006/main">
+  <p:cSld>
+    <p:spTree>
+      <p:nvGrpSpPr>
+        <p:cNvPr id="1" name=""/>
+        <p:cNvGrpSpPr/>
+        <p:nvPr/>
+      </p:nvGrpSpPr>
+      <p:grpSpPr>
+        <a:xfrm>
+          <a:off x="0" y="0"/>
+          <a:ext cx="0" cy="0"/>
+          <a:chOff x="0" y="0"/>
+          <a:chExt cx="0" cy="0"/>
+        </a:xfrm>
+      </p:grpSpPr>
+      <p:sp>
+        <p:nvSpPr>
+          <p:cNvPr id="2" name="Title 1"/>
+          <p:cNvSpPr>
+            <a:spLocks noGrp="1"/>
+          </p:cNvSpPr>
+          <p:nvPr>
+            <p:ph type="title"/>
+          </p:nvPr>
+        </p:nvSpPr>
+        <p:spPr/>
+        <p:txBody>
+          <a:bodyPr/>
+          <a:lstStyle/>
+          <a:p>
+            <a:pPr algn="l"/>
+            <a:r>
+              <a:rPr lang="en-US" dirty="0"/>
+              <a:t>Model Assumption</a:t>
+            </a:r>
+          </a:p>
+        </p:txBody>
+      </p:sp>
+      <p:sp>
+        <p:nvSpPr>
+          <p:cNvPr id="3" name="Content Placeholder 2"/>
+          <p:cNvSpPr>
+            <a:spLocks noGrp="1"/>
+          </p:cNvSpPr>
+          <p:nvPr>
+            <p:ph idx="1"/>
+          </p:nvPr>
+        </p:nvSpPr>
+        <p:spPr/>
+        <p:txBody>
+          <a:bodyPr/>
+          <a:lstStyle/>
+          <a:p>
+            <a:r>
+              <a:rPr lang="en-US" sz="2800" dirty="0"/>
+              <a:t>For the purpose of simplicity we are focusing only on the effects of time and not taking into account any other external factors such as:</a:t>
+            </a:r>
+          </a:p>
+          <a:p>
+            <a:pPr lvl="1"/>
+            <a:r>
+              <a:rPr lang="en-US" sz="2400" dirty="0"/>
+              <a:t>S&amp;P 500 chosen assumed to be diverse, in all years by market cap and industry</a:t>
+            </a:r>
+          </a:p>
+          <a:p>
+            <a:pPr lvl="1"/>
+            <a:r>
+              <a:rPr lang="en-US" sz="2000" dirty="0"/>
+              <a:t>Stock splits do not dilute returns</a:t>
+            </a:r>
+          </a:p>
+          <a:p>
+            <a:pPr lvl="1"/>
+            <a:r>
+              <a:rPr lang="en-US" sz="2000" dirty="0"/>
+              <a:t>Companies switching or being added to index has no effect (within S&amp;P)</a:t>
+            </a:r>
+          </a:p>
+          <a:p>
+            <a:pPr lvl="1"/>
+            <a:r>
+              <a:rPr lang="en-US" sz="2000" dirty="0"/>
+              <a:t>Dividend reinvesting is unaccounted for vs simple price appreciation</a:t>
+            </a:r>
+          </a:p>
+          <a:p>
+            <a:pPr lvl="1"/>
+            <a:r>
+              <a:rPr lang="en-US" sz="2000" dirty="0"/>
+              <a:t>Opening Price of 1</a:t>
+            </a:r>
+            <a:r>
+              <a:rPr lang="en-US" sz="2000" baseline="30000" dirty="0"/>
+              <a:t>st</a:t>
+            </a:r>
+            <a:r>
+              <a:rPr lang="en-US" sz="2000" dirty="0"/>
+              <a:t> day of ‘next month’ equals Closing Price of the last day of the ‘previous month</a:t>
+            </a:r>
+            <a:r>
+              <a:rPr lang="en-US" sz="2400" dirty="0"/>
+              <a:t>’</a:t>
+            </a:r>
+          </a:p>
+        </p:txBody>
+      </p:sp>
+      <p:sp>
+        <p:nvSpPr>
+          <p:cNvPr id="4" name="Slide Number Placeholder 3"/>
+          <p:cNvSpPr>
+            <a:spLocks noGrp="1"/>
+          </p:cNvSpPr>
+          <p:nvPr>
+            <p:ph type="sldNum" sz="quarter" idx="10"/>
+          </p:nvPr>
+        </p:nvSpPr>
+        <p:spPr/>
+        <p:txBody>
+          <a:bodyPr/>
+          <a:lstStyle/>
+          <a:p>
+            <a:pPr>
+              <a:defRPr/>
+            </a:pPr>
+            <a:fld id="{8477AC55-169F-48BF-899E-DC616324E2CF}" type="slidenum">
+              <a:rPr lang="en-US" smtClean="0"/>
+              <a:pPr>
+                <a:defRPr/>
+              </a:pPr>
+              <a:t>9</a:t>
+            </a:fld>
+            <a:endParaRPr lang="en-US" dirty="0"/>
+          </a:p>
+        </p:txBody>
+      </p:sp>
+    </p:spTree>
+    <p:extLst>
+      <p:ext uri="{BB962C8B-B14F-4D97-AF65-F5344CB8AC3E}">
+        <p14:creationId xmlns:p14="http://schemas.microsoft.com/office/powerpoint/2010/main" val="1843543731"/>
+      </p:ext>
+    </p:extLst>
+  </p:cSld>
+  <p:clrMapOvr>
+    <a:masterClrMapping/>
+  </p:clrMapOvr>
+</p:sld>
+</file>
+
 <file path=ppt/slides/slide2.xml><?xml version="1.0" encoding="utf-8"?>
 <p:sld xmlns:a="http://schemas.openxmlformats.org/drawingml/2006/main" xmlns:r="http://schemas.openxmlformats.org/officeDocument/2006/relationships" xmlns:p="http://schemas.openxmlformats.org/presentationml/2006/main">
   <p:cSld>
@@ -4433,6 +4586,290 @@
         </p:nvSpPr>
         <p:spPr/>
         <p:txBody>
+          <a:bodyPr/>
+          <a:lstStyle/>
+          <a:p>
+            <a:pPr algn="l"/>
+            <a:r>
+              <a:rPr lang="en-US" dirty="0"/>
+              <a:t>How Should I Invest?</a:t>
+            </a:r>
+          </a:p>
+        </p:txBody>
+      </p:sp>
+      <p:sp>
+        <p:nvSpPr>
+          <p:cNvPr id="3" name="Content Placeholder 2"/>
+          <p:cNvSpPr>
+            <a:spLocks noGrp="1"/>
+          </p:cNvSpPr>
+          <p:nvPr>
+            <p:ph idx="1"/>
+          </p:nvPr>
+        </p:nvSpPr>
+        <p:spPr/>
+        <p:txBody>
+          <a:bodyPr/>
+          <a:lstStyle/>
+          <a:p>
+            <a:r>
+              <a:rPr lang="en-US" dirty="0"/>
+              <a:t>Is there a market strategy out there that I can:</a:t>
+            </a:r>
+          </a:p>
+          <a:p>
+            <a:pPr lvl="1"/>
+            <a:r>
+              <a:rPr lang="en-US" dirty="0"/>
+              <a:t>Understand</a:t>
+            </a:r>
+          </a:p>
+          <a:p>
+            <a:pPr lvl="1"/>
+            <a:r>
+              <a:rPr lang="en-US" dirty="0"/>
+              <a:t>Create Alpha</a:t>
+            </a:r>
+          </a:p>
+          <a:p>
+            <a:pPr lvl="1"/>
+            <a:r>
+              <a:rPr lang="en-US" dirty="0"/>
+              <a:t>Be repeatable</a:t>
+            </a:r>
+          </a:p>
+          <a:p>
+            <a:pPr lvl="1"/>
+            <a:r>
+              <a:rPr lang="en-US" dirty="0"/>
+              <a:t>Limit my risk</a:t>
+            </a:r>
+          </a:p>
+          <a:p>
+            <a:pPr marL="914400" lvl="2" indent="0">
+              <a:buNone/>
+            </a:pPr>
+            <a:endParaRPr lang="en-US" dirty="0"/>
+          </a:p>
+        </p:txBody>
+      </p:sp>
+      <p:sp>
+        <p:nvSpPr>
+          <p:cNvPr id="4" name="Slide Number Placeholder 3"/>
+          <p:cNvSpPr>
+            <a:spLocks noGrp="1"/>
+          </p:cNvSpPr>
+          <p:nvPr>
+            <p:ph type="sldNum" sz="quarter" idx="10"/>
+          </p:nvPr>
+        </p:nvSpPr>
+        <p:spPr/>
+        <p:txBody>
+          <a:bodyPr/>
+          <a:lstStyle/>
+          <a:p>
+            <a:pPr>
+              <a:defRPr/>
+            </a:pPr>
+            <a:fld id="{8477AC55-169F-48BF-899E-DC616324E2CF}" type="slidenum">
+              <a:rPr lang="en-US" smtClean="0"/>
+              <a:pPr>
+                <a:defRPr/>
+              </a:pPr>
+              <a:t>2</a:t>
+            </a:fld>
+            <a:endParaRPr lang="en-US" dirty="0"/>
+          </a:p>
+        </p:txBody>
+      </p:sp>
+    </p:spTree>
+    <p:extLst>
+      <p:ext uri="{BB962C8B-B14F-4D97-AF65-F5344CB8AC3E}">
+        <p14:creationId xmlns:p14="http://schemas.microsoft.com/office/powerpoint/2010/main" val="1417976468"/>
+      </p:ext>
+    </p:extLst>
+  </p:cSld>
+  <p:clrMapOvr>
+    <a:masterClrMapping/>
+  </p:clrMapOvr>
+</p:sld>
+</file>
+
+<file path=ppt/slides/slide4.xml><?xml version="1.0" encoding="utf-8"?>
+<p:sld xmlns:a="http://schemas.openxmlformats.org/drawingml/2006/main" xmlns:r="http://schemas.openxmlformats.org/officeDocument/2006/relationships" xmlns:p="http://schemas.openxmlformats.org/presentationml/2006/main">
+  <p:cSld>
+    <p:spTree>
+      <p:nvGrpSpPr>
+        <p:cNvPr id="1" name=""/>
+        <p:cNvGrpSpPr/>
+        <p:nvPr/>
+      </p:nvGrpSpPr>
+      <p:grpSpPr>
+        <a:xfrm>
+          <a:off x="0" y="0"/>
+          <a:ext cx="0" cy="0"/>
+          <a:chOff x="0" y="0"/>
+          <a:chExt cx="0" cy="0"/>
+        </a:xfrm>
+      </p:grpSpPr>
+      <p:sp>
+        <p:nvSpPr>
+          <p:cNvPr id="2" name="Title 1"/>
+          <p:cNvSpPr>
+            <a:spLocks noGrp="1"/>
+          </p:cNvSpPr>
+          <p:nvPr>
+            <p:ph type="title"/>
+          </p:nvPr>
+        </p:nvSpPr>
+        <p:spPr/>
+        <p:txBody>
+          <a:bodyPr/>
+          <a:lstStyle/>
+          <a:p>
+            <a:pPr algn="l"/>
+            <a:r>
+              <a:rPr lang="en-US" dirty="0"/>
+              <a:t>I need data</a:t>
+            </a:r>
+          </a:p>
+        </p:txBody>
+      </p:sp>
+      <p:sp>
+        <p:nvSpPr>
+          <p:cNvPr id="3" name="Content Placeholder 2"/>
+          <p:cNvSpPr>
+            <a:spLocks noGrp="1"/>
+          </p:cNvSpPr>
+          <p:nvPr>
+            <p:ph idx="1"/>
+          </p:nvPr>
+        </p:nvSpPr>
+        <p:spPr/>
+        <p:txBody>
+          <a:bodyPr/>
+          <a:lstStyle/>
+          <a:p>
+            <a:r>
+              <a:rPr lang="en-US" dirty="0"/>
+              <a:t>Diverse market with large </a:t>
+            </a:r>
+            <a:r>
+              <a:rPr lang="en-US" dirty="0" err="1"/>
+              <a:t>trendable</a:t>
+            </a:r>
+            <a:r>
+              <a:rPr lang="en-US" dirty="0"/>
+              <a:t> data sets: Monthly Open/Close Prices with Volume</a:t>
+            </a:r>
+          </a:p>
+          <a:p>
+            <a:pPr lvl="1"/>
+            <a:r>
+              <a:rPr lang="en-US" dirty="0"/>
+              <a:t>Answer: Alpha Vantage (API)</a:t>
+            </a:r>
+          </a:p>
+          <a:p>
+            <a:pPr lvl="2"/>
+            <a:r>
+              <a:rPr lang="en-US" dirty="0"/>
+              <a:t>20 years of data</a:t>
+            </a:r>
+          </a:p>
+          <a:p>
+            <a:pPr lvl="1"/>
+            <a:r>
+              <a:rPr lang="en-US" dirty="0"/>
+              <a:t>Better answer: Yahoo Finance (CSV)</a:t>
+            </a:r>
+          </a:p>
+          <a:p>
+            <a:pPr lvl="2"/>
+            <a:r>
+              <a:rPr lang="en-US" dirty="0"/>
+              <a:t>50+ years of monthly data</a:t>
+            </a:r>
+          </a:p>
+          <a:p>
+            <a:pPr marL="914400" lvl="2" indent="0">
+              <a:buNone/>
+            </a:pPr>
+            <a:endParaRPr lang="en-US" dirty="0"/>
+          </a:p>
+        </p:txBody>
+      </p:sp>
+      <p:sp>
+        <p:nvSpPr>
+          <p:cNvPr id="4" name="Slide Number Placeholder 3"/>
+          <p:cNvSpPr>
+            <a:spLocks noGrp="1"/>
+          </p:cNvSpPr>
+          <p:nvPr>
+            <p:ph type="sldNum" sz="quarter" idx="10"/>
+          </p:nvPr>
+        </p:nvSpPr>
+        <p:spPr/>
+        <p:txBody>
+          <a:bodyPr/>
+          <a:lstStyle/>
+          <a:p>
+            <a:pPr>
+              <a:defRPr/>
+            </a:pPr>
+            <a:fld id="{8477AC55-169F-48BF-899E-DC616324E2CF}" type="slidenum">
+              <a:rPr lang="en-US" smtClean="0"/>
+              <a:pPr>
+                <a:defRPr/>
+              </a:pPr>
+              <a:t>3</a:t>
+            </a:fld>
+            <a:endParaRPr lang="en-US" dirty="0"/>
+          </a:p>
+        </p:txBody>
+      </p:sp>
+    </p:spTree>
+    <p:extLst>
+      <p:ext uri="{BB962C8B-B14F-4D97-AF65-F5344CB8AC3E}">
+        <p14:creationId xmlns:p14="http://schemas.microsoft.com/office/powerpoint/2010/main" val="3931690624"/>
+      </p:ext>
+    </p:extLst>
+  </p:cSld>
+  <p:clrMapOvr>
+    <a:masterClrMapping/>
+  </p:clrMapOvr>
+</p:sld>
+</file>
+
+<file path=ppt/slides/slide5.xml><?xml version="1.0" encoding="utf-8"?>
+<p:sld xmlns:a="http://schemas.openxmlformats.org/drawingml/2006/main" xmlns:r="http://schemas.openxmlformats.org/officeDocument/2006/relationships" xmlns:p="http://schemas.openxmlformats.org/presentationml/2006/main">
+  <p:cSld>
+    <p:spTree>
+      <p:nvGrpSpPr>
+        <p:cNvPr id="1" name=""/>
+        <p:cNvGrpSpPr/>
+        <p:nvPr/>
+      </p:nvGrpSpPr>
+      <p:grpSpPr>
+        <a:xfrm>
+          <a:off x="0" y="0"/>
+          <a:ext cx="0" cy="0"/>
+          <a:chOff x="0" y="0"/>
+          <a:chExt cx="0" cy="0"/>
+        </a:xfrm>
+      </p:grpSpPr>
+      <p:sp>
+        <p:nvSpPr>
+          <p:cNvPr id="2" name="Title 1"/>
+          <p:cNvSpPr>
+            <a:spLocks noGrp="1"/>
+          </p:cNvSpPr>
+          <p:nvPr>
+            <p:ph type="title"/>
+          </p:nvPr>
+        </p:nvSpPr>
+        <p:spPr/>
+        <p:txBody>
           <a:bodyPr>
             <a:normAutofit/>
           </a:bodyPr>
@@ -4606,7 +5043,7 @@
 </p:sld>
 </file>
 
-<file path=ppt/slides/slide4.xml><?xml version="1.0" encoding="utf-8"?>
+<file path=ppt/slides/slide6.xml><?xml version="1.0" encoding="utf-8"?>
 <p:sld xmlns:a="http://schemas.openxmlformats.org/drawingml/2006/main" xmlns:r="http://schemas.openxmlformats.org/officeDocument/2006/relationships" xmlns:p="http://schemas.openxmlformats.org/presentationml/2006/main">
   <p:cSld>
     <p:spTree>
@@ -4919,7 +5356,7 @@
 </p:sld>
 </file>
 
-<file path=ppt/slides/slide5.xml><?xml version="1.0" encoding="utf-8"?>
+<file path=ppt/slides/slide7.xml><?xml version="1.0" encoding="utf-8"?>
 <p:sld xmlns:a="http://schemas.openxmlformats.org/drawingml/2006/main" xmlns:r="http://schemas.openxmlformats.org/officeDocument/2006/relationships" xmlns:p="http://schemas.openxmlformats.org/presentationml/2006/main">
   <p:cSld>
     <p:spTree>
@@ -5236,7 +5673,7 @@
 </p:sld>
 </file>
 
-<file path=ppt/slides/slide6.xml><?xml version="1.0" encoding="utf-8"?>
+<file path=ppt/slides/slide8.xml><?xml version="1.0" encoding="utf-8"?>
 <p:sld xmlns:a="http://schemas.openxmlformats.org/drawingml/2006/main" xmlns:r="http://schemas.openxmlformats.org/officeDocument/2006/relationships" xmlns:p="http://schemas.openxmlformats.org/presentationml/2006/main">
   <p:cSld>
     <p:spTree>
@@ -5763,7 +6200,7 @@
 </p:sld>
 </file>
 
-<file path=ppt/slides/slide7.xml><?xml version="1.0" encoding="utf-8"?>
+<file path=ppt/slides/slide9.xml><?xml version="1.0" encoding="utf-8"?>
 <p:sld xmlns:a="http://schemas.openxmlformats.org/drawingml/2006/main" xmlns:r="http://schemas.openxmlformats.org/officeDocument/2006/relationships" xmlns:p="http://schemas.openxmlformats.org/presentationml/2006/main">
   <p:cSld>
     <p:spTree>
@@ -5819,69 +6256,71 @@
           <a:lstStyle/>
           <a:p>
             <a:r>
-              <a:rPr lang="en-US" dirty="0"/>
+              <a:rPr lang="en-US" sz="2800" dirty="0"/>
               <a:t>Evidence of Seasonal Investing Benefits</a:t>
             </a:r>
           </a:p>
           <a:p>
             <a:pPr lvl="1"/>
             <a:r>
-              <a:rPr lang="en-US" dirty="0"/>
+              <a:rPr lang="en-US" sz="2500" dirty="0"/>
+              <a:t>Do not endorse any investing strategy without due diligence</a:t>
+            </a:r>
+          </a:p>
+          <a:p>
+            <a:pPr lvl="1"/>
+            <a:r>
+              <a:rPr lang="en-US" sz="2400" dirty="0"/>
               <a:t>May – Oct: </a:t>
             </a:r>
             <a:r>
-              <a:rPr lang="en-US" dirty="0" err="1"/>
+              <a:rPr lang="en-US" sz="2400" dirty="0" err="1"/>
               <a:t>Avg</a:t>
             </a:r>
             <a:r>
-              <a:rPr lang="en-US" dirty="0"/>
-              <a:t> </a:t>
-            </a:r>
-            <a:r>
-              <a:rPr lang="en-US"/>
-              <a:t>return 1.6% </a:t>
-            </a:r>
-            <a:endParaRPr lang="en-US" dirty="0"/>
+              <a:rPr lang="en-US" sz="2400" dirty="0"/>
+              <a:t> return 1.6% </a:t>
+            </a:r>
           </a:p>
           <a:p>
             <a:pPr lvl="1"/>
             <a:r>
-              <a:rPr lang="en-US" dirty="0"/>
+              <a:rPr lang="en-US" sz="2400" dirty="0"/>
               <a:t>Nov – Apr: 6.9%</a:t>
             </a:r>
           </a:p>
           <a:p>
             <a:pPr lvl="1"/>
             <a:r>
-              <a:rPr lang="en-US" dirty="0"/>
+              <a:rPr lang="en-US" sz="2400" dirty="0"/>
               <a:t>Research is not clear what causes this strategy, but possible explanations are:</a:t>
             </a:r>
           </a:p>
           <a:p>
             <a:pPr lvl="2"/>
             <a:r>
-              <a:rPr lang="en-US" dirty="0"/>
+              <a:rPr lang="en-US" sz="2000" dirty="0"/>
               <a:t>Vacation months lead to risk aversion</a:t>
             </a:r>
           </a:p>
           <a:p>
             <a:pPr lvl="2"/>
             <a:r>
-              <a:rPr lang="en-US" dirty="0"/>
+              <a:rPr lang="en-US" sz="2000" dirty="0"/>
               <a:t>Optimism at the beginning of the year</a:t>
             </a:r>
           </a:p>
           <a:p>
             <a:pPr lvl="1"/>
             <a:r>
-              <a:rPr lang="en-US" dirty="0"/>
+              <a:rPr lang="en-US" sz="2400" dirty="0"/>
               <a:t>Effect has been in place since 1950</a:t>
             </a:r>
           </a:p>
           <a:p>
             <a:pPr lvl="2"/>
             <a:r>
-              <a:rPr lang="en-US" dirty="0"/>
+              <a:rPr lang="en-US" sz="2000" dirty="0"/>
               <a:t>More recent studies show that this effect in 108 countries from data as far back as 1693 (Jacobsen &amp; Zhang, 2012)</a:t>
             </a:r>
           </a:p>
@@ -5916,7 +6355,7 @@
               <a:pPr>
                 <a:defRPr/>
               </a:pPr>
-              <a:t>6</a:t>
+              <a:t>8</a:t>
             </a:fld>
             <a:endParaRPr lang="en-US" dirty="0"/>
           </a:p>
@@ -5926,146 +6365,6 @@
     <p:extLst>
       <p:ext uri="{BB962C8B-B14F-4D97-AF65-F5344CB8AC3E}">
         <p14:creationId xmlns:p14="http://schemas.microsoft.com/office/powerpoint/2010/main" val="2294092593"/>
-      </p:ext>
-    </p:extLst>
-  </p:cSld>
-  <p:clrMapOvr>
-    <a:masterClrMapping/>
-  </p:clrMapOvr>
-</p:sld>
-</file>
-
-<file path=ppt/slides/slide8.xml><?xml version="1.0" encoding="utf-8"?>
-<p:sld xmlns:a="http://schemas.openxmlformats.org/drawingml/2006/main" xmlns:r="http://schemas.openxmlformats.org/officeDocument/2006/relationships" xmlns:p="http://schemas.openxmlformats.org/presentationml/2006/main">
-  <p:cSld>
-    <p:spTree>
-      <p:nvGrpSpPr>
-        <p:cNvPr id="1" name=""/>
-        <p:cNvGrpSpPr/>
-        <p:nvPr/>
-      </p:nvGrpSpPr>
-      <p:grpSpPr>
-        <a:xfrm>
-          <a:off x="0" y="0"/>
-          <a:ext cx="0" cy="0"/>
-          <a:chOff x="0" y="0"/>
-          <a:chExt cx="0" cy="0"/>
-        </a:xfrm>
-      </p:grpSpPr>
-      <p:sp>
-        <p:nvSpPr>
-          <p:cNvPr id="2" name="Title 1"/>
-          <p:cNvSpPr>
-            <a:spLocks noGrp="1"/>
-          </p:cNvSpPr>
-          <p:nvPr>
-            <p:ph type="title"/>
-          </p:nvPr>
-        </p:nvSpPr>
-        <p:spPr/>
-        <p:txBody>
-          <a:bodyPr/>
-          <a:lstStyle/>
-          <a:p>
-            <a:pPr algn="l"/>
-            <a:r>
-              <a:rPr lang="en-US" dirty="0"/>
-              <a:t>Model Assumption</a:t>
-            </a:r>
-          </a:p>
-        </p:txBody>
-      </p:sp>
-      <p:sp>
-        <p:nvSpPr>
-          <p:cNvPr id="3" name="Content Placeholder 2"/>
-          <p:cNvSpPr>
-            <a:spLocks noGrp="1"/>
-          </p:cNvSpPr>
-          <p:nvPr>
-            <p:ph idx="1"/>
-          </p:nvPr>
-        </p:nvSpPr>
-        <p:spPr/>
-        <p:txBody>
-          <a:bodyPr/>
-          <a:lstStyle/>
-          <a:p>
-            <a:r>
-              <a:rPr lang="en-US" dirty="0"/>
-              <a:t>For the purpose of simplicity we are focusing only on the effects of time and not taking into account any other external factors such as</a:t>
-            </a:r>
-          </a:p>
-          <a:p>
-            <a:pPr lvl="1"/>
-            <a:r>
-              <a:rPr lang="en-US" sz="2400" dirty="0"/>
-              <a:t>Stock splits do not dilute returns</a:t>
-            </a:r>
-          </a:p>
-          <a:p>
-            <a:pPr lvl="1"/>
-            <a:r>
-              <a:rPr lang="en-US" sz="2400" dirty="0"/>
-              <a:t>Companies switching or being added to index has no effect (within S&amp;P)</a:t>
-            </a:r>
-          </a:p>
-          <a:p>
-            <a:pPr lvl="1"/>
-            <a:r>
-              <a:rPr lang="en-US" sz="2400" dirty="0"/>
-              <a:t>Dividend reinvesting is unaccounted for vs simple price appreciation</a:t>
-            </a:r>
-          </a:p>
-          <a:p>
-            <a:pPr lvl="1"/>
-            <a:r>
-              <a:rPr lang="en-US" sz="2400" dirty="0"/>
-              <a:t>Opening Price of 1</a:t>
-            </a:r>
-            <a:r>
-              <a:rPr lang="en-US" sz="2400" baseline="30000" dirty="0"/>
-              <a:t>st</a:t>
-            </a:r>
-            <a:r>
-              <a:rPr lang="en-US" sz="2400" dirty="0"/>
-              <a:t> day of ‘next month’ equals Closing Price of the last day of the ‘previous month’</a:t>
-            </a:r>
-          </a:p>
-        </p:txBody>
-      </p:sp>
-      <p:sp>
-        <p:nvSpPr>
-          <p:cNvPr id="4" name="Slide Number Placeholder 3"/>
-          <p:cNvSpPr>
-            <a:spLocks noGrp="1"/>
-          </p:cNvSpPr>
-          <p:nvPr>
-            <p:ph type="sldNum" sz="quarter" idx="10"/>
-          </p:nvPr>
-        </p:nvSpPr>
-        <p:spPr/>
-        <p:txBody>
-          <a:bodyPr/>
-          <a:lstStyle/>
-          <a:p>
-            <a:pPr>
-              <a:defRPr/>
-            </a:pPr>
-            <a:fld id="{8477AC55-169F-48BF-899E-DC616324E2CF}" type="slidenum">
-              <a:rPr lang="en-US" smtClean="0"/>
-              <a:pPr>
-                <a:defRPr/>
-              </a:pPr>
-              <a:t>7</a:t>
-            </a:fld>
-            <a:endParaRPr lang="en-US" dirty="0"/>
-          </a:p>
-        </p:txBody>
-      </p:sp>
-    </p:spTree>
-    <p:extLst>
-      <p:ext uri="{BB962C8B-B14F-4D97-AF65-F5344CB8AC3E}">
-        <p14:creationId xmlns:p14="http://schemas.microsoft.com/office/powerpoint/2010/main" val="1843543731"/>
       </p:ext>
     </p:extLst>
   </p:cSld>

--- a/Portfolio Strategy Project.pptx
+++ b/Portfolio Strategy Project.pptx
@@ -5397,7 +5397,14 @@
             </a:r>
             <a:r>
               <a:rPr lang="en-US" sz="2800" dirty="0"/>
-              <a:t> Six-Month Results by Over Time</a:t>
+              <a:t> </a:t>
+            </a:r>
+            <a:br>
+              <a:rPr lang="en-US" sz="2800" dirty="0"/>
+            </a:br>
+            <a:r>
+              <a:rPr lang="en-US" sz="2800" dirty="0"/>
+              <a:t>Highest Six-Month Results Over Time</a:t>
             </a:r>
           </a:p>
         </p:txBody>
@@ -5626,10 +5633,10 @@
       </p:sp>
       <p:pic>
         <p:nvPicPr>
-          <p:cNvPr id="4" name="Picture 3">
+          <p:cNvPr id="5" name="Picture 4">
             <a:extLst>
               <a:ext uri="{FF2B5EF4-FFF2-40B4-BE49-F238E27FC236}">
-                <a16:creationId xmlns:a16="http://schemas.microsoft.com/office/drawing/2014/main" id="{25F25CB8-5755-4044-B3D5-852F898F13EA}"/>
+                <a16:creationId xmlns:a16="http://schemas.microsoft.com/office/drawing/2014/main" id="{1A350D64-CB46-6148-B352-603F22FBE857}"/>
               </a:ext>
             </a:extLst>
           </p:cNvPr>
@@ -5652,8 +5659,8 @@
         </p:blipFill>
         <p:spPr>
           <a:xfrm>
-            <a:off x="38100" y="2514600"/>
-            <a:ext cx="9144000" cy="3951449"/>
+            <a:off x="0" y="2163471"/>
+            <a:ext cx="9144000" cy="3649133"/>
           </a:xfrm>
           <a:prstGeom prst="rect">
             <a:avLst/>
@@ -5929,42 +5936,6 @@
           </a:p>
         </p:txBody>
       </p:sp>
-      <p:pic>
-        <p:nvPicPr>
-          <p:cNvPr id="5" name="Picture 4">
-            <a:extLst>
-              <a:ext uri="{FF2B5EF4-FFF2-40B4-BE49-F238E27FC236}">
-                <a16:creationId xmlns:a16="http://schemas.microsoft.com/office/drawing/2014/main" id="{F55B8FDD-121E-1E47-BF4E-C603C30DEF5D}"/>
-              </a:ext>
-            </a:extLst>
-          </p:cNvPr>
-          <p:cNvPicPr>
-            <a:picLocks noChangeAspect="1"/>
-          </p:cNvPicPr>
-          <p:nvPr/>
-        </p:nvPicPr>
-        <p:blipFill>
-          <a:blip r:embed="rId2">
-            <a:extLst>
-              <a:ext uri="{28A0092B-C50C-407E-A947-70E740481C1C}">
-                <a14:useLocalDpi xmlns:a14="http://schemas.microsoft.com/office/drawing/2010/main" val="0"/>
-              </a:ext>
-            </a:extLst>
-          </a:blip>
-          <a:stretch>
-            <a:fillRect/>
-          </a:stretch>
-        </p:blipFill>
-        <p:spPr>
-          <a:xfrm>
-            <a:off x="114300" y="2362200"/>
-            <a:ext cx="8915400" cy="3893266"/>
-          </a:xfrm>
-          <a:prstGeom prst="rect">
-            <a:avLst/>
-          </a:prstGeom>
-        </p:spPr>
-      </p:pic>
       <p:sp>
         <p:nvSpPr>
           <p:cNvPr id="7" name="Title 1">
@@ -6187,6 +6158,42 @@
           </a:p>
         </p:txBody>
       </p:sp>
+      <p:pic>
+        <p:nvPicPr>
+          <p:cNvPr id="4" name="Picture 3">
+            <a:extLst>
+              <a:ext uri="{FF2B5EF4-FFF2-40B4-BE49-F238E27FC236}">
+                <a16:creationId xmlns:a16="http://schemas.microsoft.com/office/drawing/2014/main" id="{6C9ABF43-E566-324A-A6CA-66135B1BC086}"/>
+              </a:ext>
+            </a:extLst>
+          </p:cNvPr>
+          <p:cNvPicPr>
+            <a:picLocks noChangeAspect="1"/>
+          </p:cNvPicPr>
+          <p:nvPr/>
+        </p:nvPicPr>
+        <p:blipFill>
+          <a:blip r:embed="rId2">
+            <a:extLst>
+              <a:ext uri="{28A0092B-C50C-407E-A947-70E740481C1C}">
+                <a14:useLocalDpi xmlns:a14="http://schemas.microsoft.com/office/drawing/2010/main" val="0"/>
+              </a:ext>
+            </a:extLst>
+          </a:blip>
+          <a:stretch>
+            <a:fillRect/>
+          </a:stretch>
+        </p:blipFill>
+        <p:spPr>
+          <a:xfrm>
+            <a:off x="0" y="2099353"/>
+            <a:ext cx="9144000" cy="3649133"/>
+          </a:xfrm>
+          <a:prstGeom prst="rect">
+            <a:avLst/>
+          </a:prstGeom>
+        </p:spPr>
+      </p:pic>
     </p:spTree>
     <p:extLst>
       <p:ext uri="{BB962C8B-B14F-4D97-AF65-F5344CB8AC3E}">
